--- a/psconfAsia2018/BYOA/PSConf_Asia-BYOA.pptx
+++ b/psconfAsia2018/BYOA/PSConf_Asia-BYOA.pptx
@@ -5,23 +5,27 @@
     <p:sldMasterId id="2147483648" r:id="rId4"/>
   </p:sldMasterIdLst>
   <p:notesMasterIdLst>
-    <p:notesMasterId r:id="rId19"/>
+    <p:notesMasterId r:id="rId23"/>
   </p:notesMasterIdLst>
   <p:sldIdLst>
     <p:sldId id="274" r:id="rId5"/>
     <p:sldId id="280" r:id="rId6"/>
-    <p:sldId id="279" r:id="rId7"/>
-    <p:sldId id="281" r:id="rId8"/>
-    <p:sldId id="284" r:id="rId9"/>
-    <p:sldId id="282" r:id="rId10"/>
-    <p:sldId id="286" r:id="rId11"/>
-    <p:sldId id="285" r:id="rId12"/>
-    <p:sldId id="287" r:id="rId13"/>
-    <p:sldId id="288" r:id="rId14"/>
-    <p:sldId id="292" r:id="rId15"/>
-    <p:sldId id="290" r:id="rId16"/>
-    <p:sldId id="291" r:id="rId17"/>
-    <p:sldId id="278" r:id="rId18"/>
+    <p:sldId id="256" r:id="rId7"/>
+    <p:sldId id="257" r:id="rId8"/>
+    <p:sldId id="279" r:id="rId9"/>
+    <p:sldId id="281" r:id="rId10"/>
+    <p:sldId id="284" r:id="rId11"/>
+    <p:sldId id="282" r:id="rId12"/>
+    <p:sldId id="286" r:id="rId13"/>
+    <p:sldId id="285" r:id="rId14"/>
+    <p:sldId id="293" r:id="rId15"/>
+    <p:sldId id="294" r:id="rId16"/>
+    <p:sldId id="287" r:id="rId17"/>
+    <p:sldId id="288" r:id="rId18"/>
+    <p:sldId id="292" r:id="rId19"/>
+    <p:sldId id="290" r:id="rId20"/>
+    <p:sldId id="291" r:id="rId21"/>
+    <p:sldId id="278" r:id="rId22"/>
   </p:sldIdLst>
   <p:sldSz cx="12192000" cy="6858000"/>
   <p:notesSz cx="6858000" cy="9144000"/>
@@ -209,7 +213,7 @@
           </a:lstStyle>
           <a:p>
             <a:fld id="{811A311C-DD8B-164B-A5B4-891FB44DF03B}" type="datetimeFigureOut">
-              <a:t>10/12/2018</a:t>
+              <a:t>10/20/2018</a:t>
             </a:fld>
             <a:endParaRPr lang="en-US"/>
           </a:p>
@@ -540,7 +544,7 @@
           <a:p>
             <a:fld id="{1184D872-AB72-7141-BB7A-B591141434CC}" type="slidenum">
               <a:rPr lang="en-SG" smtClean="0"/>
-              <a:t>14</a:t>
+              <a:t>18</a:t>
             </a:fld>
             <a:endParaRPr lang="en-SG"/>
           </a:p>
@@ -688,7 +692,7 @@
           <a:p>
             <a:fld id="{99585AEA-614B-7045-B3D9-61FEC86204D9}" type="datetimeFigureOut">
               <a:rPr lang="en-US" smtClean="0"/>
-              <a:t>10/12/2018</a:t>
+              <a:t>10/20/2018</a:t>
             </a:fld>
             <a:endParaRPr lang="en-US"/>
           </a:p>
@@ -856,7 +860,7 @@
           <a:p>
             <a:fld id="{99585AEA-614B-7045-B3D9-61FEC86204D9}" type="datetimeFigureOut">
               <a:rPr lang="en-US" smtClean="0"/>
-              <a:t>10/12/2018</a:t>
+              <a:t>10/20/2018</a:t>
             </a:fld>
             <a:endParaRPr lang="en-US"/>
           </a:p>
@@ -1034,7 +1038,7 @@
           <a:p>
             <a:fld id="{99585AEA-614B-7045-B3D9-61FEC86204D9}" type="datetimeFigureOut">
               <a:rPr lang="en-US" smtClean="0"/>
-              <a:t>10/12/2018</a:t>
+              <a:t>10/20/2018</a:t>
             </a:fld>
             <a:endParaRPr lang="en-US"/>
           </a:p>
@@ -1202,7 +1206,7 @@
           <a:p>
             <a:fld id="{99585AEA-614B-7045-B3D9-61FEC86204D9}" type="datetimeFigureOut">
               <a:rPr lang="en-US" smtClean="0"/>
-              <a:t>10/12/2018</a:t>
+              <a:t>10/20/2018</a:t>
             </a:fld>
             <a:endParaRPr lang="en-US"/>
           </a:p>
@@ -1447,7 +1451,7 @@
           <a:p>
             <a:fld id="{99585AEA-614B-7045-B3D9-61FEC86204D9}" type="datetimeFigureOut">
               <a:rPr lang="en-US" smtClean="0"/>
-              <a:t>10/12/2018</a:t>
+              <a:t>10/20/2018</a:t>
             </a:fld>
             <a:endParaRPr lang="en-US"/>
           </a:p>
@@ -1676,7 +1680,7 @@
           <a:p>
             <a:fld id="{99585AEA-614B-7045-B3D9-61FEC86204D9}" type="datetimeFigureOut">
               <a:rPr lang="en-US" smtClean="0"/>
-              <a:t>10/12/2018</a:t>
+              <a:t>10/20/2018</a:t>
             </a:fld>
             <a:endParaRPr lang="en-US"/>
           </a:p>
@@ -2040,7 +2044,7 @@
           <a:p>
             <a:fld id="{99585AEA-614B-7045-B3D9-61FEC86204D9}" type="datetimeFigureOut">
               <a:rPr lang="en-US" smtClean="0"/>
-              <a:t>10/12/2018</a:t>
+              <a:t>10/20/2018</a:t>
             </a:fld>
             <a:endParaRPr lang="en-US"/>
           </a:p>
@@ -2157,7 +2161,7 @@
           <a:p>
             <a:fld id="{99585AEA-614B-7045-B3D9-61FEC86204D9}" type="datetimeFigureOut">
               <a:rPr lang="en-US" smtClean="0"/>
-              <a:t>10/12/2018</a:t>
+              <a:t>10/20/2018</a:t>
             </a:fld>
             <a:endParaRPr lang="en-US"/>
           </a:p>
@@ -2252,7 +2256,7 @@
           <a:p>
             <a:fld id="{99585AEA-614B-7045-B3D9-61FEC86204D9}" type="datetimeFigureOut">
               <a:rPr lang="en-US" smtClean="0"/>
-              <a:t>10/12/2018</a:t>
+              <a:t>10/20/2018</a:t>
             </a:fld>
             <a:endParaRPr lang="en-US"/>
           </a:p>
@@ -2527,7 +2531,7 @@
           <a:p>
             <a:fld id="{99585AEA-614B-7045-B3D9-61FEC86204D9}" type="datetimeFigureOut">
               <a:rPr lang="en-US" smtClean="0"/>
-              <a:t>10/12/2018</a:t>
+              <a:t>10/20/2018</a:t>
             </a:fld>
             <a:endParaRPr lang="en-US"/>
           </a:p>
@@ -2779,7 +2783,7 @@
           <a:p>
             <a:fld id="{99585AEA-614B-7045-B3D9-61FEC86204D9}" type="datetimeFigureOut">
               <a:rPr lang="en-US" smtClean="0"/>
-              <a:t>10/12/2018</a:t>
+              <a:t>10/20/2018</a:t>
             </a:fld>
             <a:endParaRPr lang="en-US"/>
           </a:p>
@@ -2990,7 +2994,7 @@
           <a:p>
             <a:fld id="{99585AEA-614B-7045-B3D9-61FEC86204D9}" type="datetimeFigureOut">
               <a:rPr lang="en-US" smtClean="0"/>
-              <a:t>10/12/2018</a:t>
+              <a:t>10/20/2018</a:t>
             </a:fld>
             <a:endParaRPr lang="en-US"/>
           </a:p>
@@ -4008,7 +4012,7 @@
           <p:cNvPr id="2" name="Title 1">
             <a:extLst>
               <a:ext uri="{FF2B5EF4-FFF2-40B4-BE49-F238E27FC236}">
-                <a16:creationId xmlns:a16="http://schemas.microsoft.com/office/drawing/2014/main" id="{48A6FD1B-269A-4872-941C-86A9184B6439}"/>
+                <a16:creationId xmlns:a16="http://schemas.microsoft.com/office/drawing/2014/main" id="{2B71C295-6D39-41A1-9400-79DE35B31218}"/>
               </a:ext>
             </a:extLst>
           </p:cNvPr>
@@ -4031,7 +4035,7 @@
           </a:bodyPr>
           <a:lstStyle/>
           <a:p>
-            <a:pPr algn="r"/>
+            <a:pPr algn="ctr"/>
             <a:r>
               <a:rPr lang="en-US" dirty="0">
                 <a:solidFill>
@@ -4103,7 +4107,7 @@
           <p:cNvPr id="3" name="Content Placeholder 2">
             <a:extLst>
               <a:ext uri="{FF2B5EF4-FFF2-40B4-BE49-F238E27FC236}">
-                <a16:creationId xmlns:a16="http://schemas.microsoft.com/office/drawing/2014/main" id="{8F2DD82F-69EF-4417-B319-D2A4ECEBDC8F}"/>
+                <a16:creationId xmlns:a16="http://schemas.microsoft.com/office/drawing/2014/main" id="{AA408FB7-AAC7-46A3-A97A-274AC039DC4C}"/>
               </a:ext>
             </a:extLst>
           </p:cNvPr>
@@ -4127,8 +4131,166 @@
           <a:lstStyle/>
           <a:p>
             <a:r>
-              <a:rPr lang="en-US" sz="2400" dirty="0"/>
-              <a:t>Deployment Automation as a Service (DAaaS)</a:t>
+              <a:rPr lang="en-US" sz="2400" dirty="0" err="1"/>
+              <a:t>RedfishListener</a:t>
+            </a:r>
+            <a:endParaRPr lang="en-US" sz="2400" dirty="0"/>
+          </a:p>
+        </p:txBody>
+      </p:sp>
+      <p:pic>
+        <p:nvPicPr>
+          <p:cNvPr id="6" name="Picture 5">
+            <a:extLst>
+              <a:ext uri="{FF2B5EF4-FFF2-40B4-BE49-F238E27FC236}">
+                <a16:creationId xmlns:a16="http://schemas.microsoft.com/office/drawing/2014/main" id="{ECDF123A-FC22-4AD1-B9B8-DC9FB2240E1B}"/>
+              </a:ext>
+            </a:extLst>
+          </p:cNvPr>
+          <p:cNvPicPr>
+            <a:picLocks noChangeAspect="1"/>
+          </p:cNvPicPr>
+          <p:nvPr/>
+        </p:nvPicPr>
+        <p:blipFill>
+          <a:blip r:embed="rId2">
+            <a:clrChange>
+              <a:clrFrom>
+                <a:srgbClr val="FFFFFF"/>
+              </a:clrFrom>
+              <a:clrTo>
+                <a:srgbClr val="FFFFFF">
+                  <a:alpha val="0"/>
+                </a:srgbClr>
+              </a:clrTo>
+            </a:clrChange>
+            <a:duotone>
+              <a:schemeClr val="accent3">
+                <a:shade val="45000"/>
+                <a:satMod val="135000"/>
+              </a:schemeClr>
+              <a:prstClr val="white"/>
+            </a:duotone>
+            <a:extLst>
+              <a:ext uri="{28A0092B-C50C-407E-A947-70E740481C1C}">
+                <a14:useLocalDpi xmlns:a14="http://schemas.microsoft.com/office/drawing/2010/main" val="0"/>
+              </a:ext>
+            </a:extLst>
+          </a:blip>
+          <a:stretch>
+            <a:fillRect/>
+          </a:stretch>
+        </p:blipFill>
+        <p:spPr>
+          <a:xfrm>
+            <a:off x="1488168" y="3868710"/>
+            <a:ext cx="1153398" cy="1100857"/>
+          </a:xfrm>
+          <a:prstGeom prst="rect">
+            <a:avLst/>
+          </a:prstGeom>
+        </p:spPr>
+      </p:pic>
+      <p:sp>
+        <p:nvSpPr>
+          <p:cNvPr id="7" name="Rectangle 6">
+            <a:extLst>
+              <a:ext uri="{FF2B5EF4-FFF2-40B4-BE49-F238E27FC236}">
+                <a16:creationId xmlns:a16="http://schemas.microsoft.com/office/drawing/2014/main" id="{0D5E941A-CFB3-441F-A3DC-A051C40B5E9C}"/>
+              </a:ext>
+            </a:extLst>
+          </p:cNvPr>
+          <p:cNvSpPr/>
+          <p:nvPr/>
+        </p:nvSpPr>
+        <p:spPr>
+          <a:xfrm>
+            <a:off x="2586005" y="4366696"/>
+            <a:ext cx="1888814" cy="307777"/>
+          </a:xfrm>
+          <a:prstGeom prst="rect">
+            <a:avLst/>
+          </a:prstGeom>
+          <a:noFill/>
+        </p:spPr>
+        <p:txBody>
+          <a:bodyPr wrap="square" lIns="91440" tIns="45720" rIns="91440" bIns="45720">
+            <a:spAutoFit/>
+          </a:bodyPr>
+          <a:lstStyle/>
+          <a:p>
+            <a:r>
+              <a:rPr lang="en-US" sz="1400" b="1" dirty="0">
+                <a:ln w="10160">
+                  <a:solidFill>
+                    <a:schemeClr val="tx2">
+                      <a:lumMod val="40000"/>
+                      <a:lumOff val="60000"/>
+                    </a:schemeClr>
+                  </a:solidFill>
+                  <a:prstDash val="solid"/>
+                </a:ln>
+                <a:solidFill>
+                  <a:schemeClr val="bg1">
+                    <a:lumMod val="75000"/>
+                  </a:schemeClr>
+                </a:solidFill>
+                <a:ea typeface="Kailasa" charset="0"/>
+                <a:cs typeface="Kailasa" charset="0"/>
+              </a:rPr>
+              <a:t>Singapore 2018</a:t>
+            </a:r>
+          </a:p>
+        </p:txBody>
+      </p:sp>
+      <p:sp>
+        <p:nvSpPr>
+          <p:cNvPr id="9" name="Rectangle 8">
+            <a:extLst>
+              <a:ext uri="{FF2B5EF4-FFF2-40B4-BE49-F238E27FC236}">
+                <a16:creationId xmlns:a16="http://schemas.microsoft.com/office/drawing/2014/main" id="{70AAE73D-2543-4D55-93D4-F6D3F63F3C92}"/>
+              </a:ext>
+            </a:extLst>
+          </p:cNvPr>
+          <p:cNvSpPr/>
+          <p:nvPr/>
+        </p:nvSpPr>
+        <p:spPr>
+          <a:xfrm>
+            <a:off x="2474883" y="4091482"/>
+            <a:ext cx="1888814" cy="307777"/>
+          </a:xfrm>
+          <a:prstGeom prst="rect">
+            <a:avLst/>
+          </a:prstGeom>
+          <a:noFill/>
+        </p:spPr>
+        <p:txBody>
+          <a:bodyPr wrap="square" lIns="91440" tIns="45720" rIns="91440" bIns="45720">
+            <a:spAutoFit/>
+          </a:bodyPr>
+          <a:lstStyle/>
+          <a:p>
+            <a:r>
+              <a:rPr lang="en-US" sz="1400" b="1" dirty="0">
+                <a:ln w="10160">
+                  <a:solidFill>
+                    <a:schemeClr val="tx2">
+                      <a:lumMod val="40000"/>
+                      <a:lumOff val="60000"/>
+                    </a:schemeClr>
+                  </a:solidFill>
+                  <a:prstDash val="solid"/>
+                </a:ln>
+                <a:solidFill>
+                  <a:schemeClr val="bg1">
+                    <a:lumMod val="75000"/>
+                  </a:schemeClr>
+                </a:solidFill>
+                <a:ea typeface="Kailasa" charset="0"/>
+                <a:cs typeface="Kailasa" charset="0"/>
+              </a:rPr>
+              <a:t>PowerShell Conference </a:t>
             </a:r>
           </a:p>
         </p:txBody>
@@ -4136,7 +4298,7 @@
     </p:spTree>
     <p:extLst>
       <p:ext uri="{BB962C8B-B14F-4D97-AF65-F5344CB8AC3E}">
-        <p14:creationId xmlns:p14="http://schemas.microsoft.com/office/powerpoint/2010/main" val="2510191037"/>
+        <p14:creationId xmlns:p14="http://schemas.microsoft.com/office/powerpoint/2010/main" val="822526291"/>
       </p:ext>
     </p:extLst>
   </p:cSld>
@@ -4168,7 +4330,7 @@
           <p:cNvPr id="2" name="Title 1">
             <a:extLst>
               <a:ext uri="{FF2B5EF4-FFF2-40B4-BE49-F238E27FC236}">
-                <a16:creationId xmlns:a16="http://schemas.microsoft.com/office/drawing/2014/main" id="{844D8E00-9BB7-4E59-9884-C8A33FA83380}"/>
+                <a16:creationId xmlns:a16="http://schemas.microsoft.com/office/drawing/2014/main" id="{351EF11A-F6AF-493B-815F-B22AADF45F75}"/>
               </a:ext>
             </a:extLst>
           </p:cNvPr>
@@ -4189,185 +4351,31 @@
                 <a:latin typeface="Segoe UI" panose="020B0502040204020203" pitchFamily="34" charset="0"/>
                 <a:cs typeface="Segoe UI" panose="020B0502040204020203" pitchFamily="34" charset="0"/>
               </a:rPr>
-              <a:t>BYOA in the Cloud …</a:t>
-            </a:r>
-          </a:p>
-        </p:txBody>
-      </p:sp>
-      <p:sp>
-        <p:nvSpPr>
-          <p:cNvPr id="3" name="Content Placeholder 2">
+              <a:t>A little more useful …</a:t>
+            </a:r>
+          </a:p>
+        </p:txBody>
+      </p:sp>
+      <p:sp>
+        <p:nvSpPr>
+          <p:cNvPr id="3" name="Rectangle 2">
             <a:extLst>
               <a:ext uri="{FF2B5EF4-FFF2-40B4-BE49-F238E27FC236}">
-                <a16:creationId xmlns:a16="http://schemas.microsoft.com/office/drawing/2014/main" id="{738D52AB-B7BF-4A2F-BE07-C078D02DB673}"/>
+                <a16:creationId xmlns:a16="http://schemas.microsoft.com/office/drawing/2014/main" id="{23392666-FA86-4F43-9F5D-AC008F3A1DE7}"/>
               </a:ext>
             </a:extLst>
           </p:cNvPr>
-          <p:cNvSpPr>
-            <a:spLocks noGrp="1"/>
-          </p:cNvSpPr>
-          <p:nvPr>
-            <p:ph idx="1"/>
-          </p:nvPr>
-        </p:nvSpPr>
-        <p:spPr/>
-        <p:txBody>
-          <a:bodyPr/>
-          <a:lstStyle/>
-          <a:p>
-            <a:r>
-              <a:rPr lang="en-US" dirty="0">
-                <a:latin typeface="Segoe UI" panose="020B0502040204020203" pitchFamily="34" charset="0"/>
-                <a:cs typeface="Segoe UI" panose="020B0502040204020203" pitchFamily="34" charset="0"/>
-              </a:rPr>
-              <a:t>Several options!</a:t>
-            </a:r>
-          </a:p>
-          <a:p>
-            <a:r>
-              <a:rPr lang="en-US" dirty="0">
-                <a:latin typeface="Segoe UI" panose="020B0502040204020203" pitchFamily="34" charset="0"/>
-                <a:cs typeface="Segoe UI" panose="020B0502040204020203" pitchFamily="34" charset="0"/>
-              </a:rPr>
-              <a:t>Azure Functions with PowerShell (experimental) was an easy choice.</a:t>
-            </a:r>
-          </a:p>
-          <a:p>
-            <a:r>
-              <a:rPr lang="en-US" dirty="0">
-                <a:latin typeface="Segoe UI" panose="020B0502040204020203" pitchFamily="34" charset="0"/>
-                <a:cs typeface="Segoe UI" panose="020B0502040204020203" pitchFamily="34" charset="0"/>
-              </a:rPr>
-              <a:t>With Swagger or </a:t>
-            </a:r>
-            <a:r>
-              <a:rPr lang="en-US" dirty="0" err="1">
-                <a:latin typeface="Segoe UI" panose="020B0502040204020203" pitchFamily="34" charset="0"/>
-                <a:cs typeface="Segoe UI" panose="020B0502040204020203" pitchFamily="34" charset="0"/>
-              </a:rPr>
-              <a:t>OpenAPI</a:t>
-            </a:r>
-            <a:r>
-              <a:rPr lang="en-US" dirty="0">
-                <a:latin typeface="Segoe UI" panose="020B0502040204020203" pitchFamily="34" charset="0"/>
-                <a:cs typeface="Segoe UI" panose="020B0502040204020203" pitchFamily="34" charset="0"/>
-              </a:rPr>
-              <a:t> specification and API management can provide</a:t>
-            </a:r>
-          </a:p>
-          <a:p>
-            <a:pPr lvl="1"/>
-            <a:r>
-              <a:rPr lang="en-US" dirty="0">
-                <a:latin typeface="Segoe UI" panose="020B0502040204020203" pitchFamily="34" charset="0"/>
-                <a:cs typeface="Segoe UI" panose="020B0502040204020203" pitchFamily="34" charset="0"/>
-              </a:rPr>
-              <a:t>Documentation of your API</a:t>
-            </a:r>
-          </a:p>
-          <a:p>
-            <a:pPr lvl="1"/>
-            <a:r>
-              <a:rPr lang="en-US" dirty="0">
-                <a:latin typeface="Segoe UI" panose="020B0502040204020203" pitchFamily="34" charset="0"/>
-                <a:cs typeface="Segoe UI" panose="020B0502040204020203" pitchFamily="34" charset="0"/>
-              </a:rPr>
-              <a:t>Sign up facility</a:t>
-            </a:r>
-          </a:p>
-          <a:p>
-            <a:pPr lvl="1"/>
-            <a:endParaRPr lang="en-US" dirty="0">
-              <a:latin typeface="Segoe UI" panose="020B0502040204020203" pitchFamily="34" charset="0"/>
-              <a:cs typeface="Segoe UI" panose="020B0502040204020203" pitchFamily="34" charset="0"/>
-            </a:endParaRPr>
-          </a:p>
-          <a:p>
-            <a:pPr lvl="1"/>
-            <a:endParaRPr lang="en-US" dirty="0">
-              <a:latin typeface="Segoe UI" panose="020B0502040204020203" pitchFamily="34" charset="0"/>
-              <a:cs typeface="Segoe UI" panose="020B0502040204020203" pitchFamily="34" charset="0"/>
-            </a:endParaRPr>
-          </a:p>
-        </p:txBody>
-      </p:sp>
-    </p:spTree>
-    <p:extLst>
-      <p:ext uri="{BB962C8B-B14F-4D97-AF65-F5344CB8AC3E}">
-        <p14:creationId xmlns:p14="http://schemas.microsoft.com/office/powerpoint/2010/main" val="1064377193"/>
-      </p:ext>
-    </p:extLst>
-  </p:cSld>
-  <p:clrMapOvr>
-    <a:masterClrMapping/>
-  </p:clrMapOvr>
-</p:sld>
-</file>
-
-<file path=ppt/slides/slide12.xml><?xml version="1.0" encoding="utf-8"?>
-<p:sld xmlns:a="http://schemas.openxmlformats.org/drawingml/2006/main" xmlns:r="http://schemas.openxmlformats.org/officeDocument/2006/relationships" xmlns:p="http://schemas.openxmlformats.org/presentationml/2006/main">
-  <p:cSld>
-    <p:bg>
-      <p:bgPr>
-        <a:solidFill>
-          <a:schemeClr val="bg1"/>
-        </a:solidFill>
-        <a:effectLst/>
-      </p:bgPr>
-    </p:bg>
-    <p:spTree>
-      <p:nvGrpSpPr>
-        <p:cNvPr id="1" name=""/>
-        <p:cNvGrpSpPr/>
-        <p:nvPr/>
-      </p:nvGrpSpPr>
-      <p:grpSpPr>
-        <a:xfrm>
-          <a:off x="0" y="0"/>
-          <a:ext cx="0" cy="0"/>
-          <a:chOff x="0" y="0"/>
-          <a:chExt cx="0" cy="0"/>
-        </a:xfrm>
-      </p:grpSpPr>
-      <p:sp>
-        <p:nvSpPr>
-          <p:cNvPr id="8" name="Rectangle 7">
-            <a:extLst>
-              <a:ext uri="{FF2B5EF4-FFF2-40B4-BE49-F238E27FC236}">
-                <a16:creationId xmlns:a16="http://schemas.microsoft.com/office/drawing/2014/main" id="{8D70B121-56F4-4848-B38B-182089D909FA}"/>
-              </a:ext>
-              <a:ext uri="{C183D7F6-B498-43B3-948B-1728B52AA6E4}">
-                <adec:decorative xmlns:adec="http://schemas.microsoft.com/office/drawing/2017/decorative" val="1"/>
-              </a:ext>
-            </a:extLst>
-          </p:cNvPr>
-          <p:cNvSpPr>
-            <a:spLocks noGrp="1" noRot="1" noChangeAspect="1" noMove="1" noResize="1" noEditPoints="1" noAdjustHandles="1" noChangeArrowheads="1" noChangeShapeType="1" noTextEdit="1"/>
-          </p:cNvSpPr>
-          <p:nvPr>
-            <p:extLst>
-              <p:ext uri="{386F3935-93C4-4BCD-93E2-E3B085C9AB24}">
-                <p16:designElem xmlns:p16="http://schemas.microsoft.com/office/powerpoint/2015/main" val="1"/>
-              </p:ext>
-            </p:extLst>
-          </p:nvPr>
-        </p:nvSpPr>
-        <p:spPr bwMode="ltGray">
-          <a:xfrm>
-            <a:off x="321564" y="320040"/>
-            <a:ext cx="11548872" cy="6217920"/>
+          <p:cNvSpPr/>
+          <p:nvPr/>
+        </p:nvSpPr>
+        <p:spPr>
+          <a:xfrm>
+            <a:off x="4207267" y="1828800"/>
+            <a:ext cx="2799708" cy="534256"/>
           </a:xfrm>
           <a:prstGeom prst="rect">
             <a:avLst/>
           </a:prstGeom>
-          <a:solidFill>
-            <a:schemeClr val="tx1">
-              <a:alpha val="8000"/>
-            </a:schemeClr>
-          </a:solidFill>
-          <a:ln w="127000" cap="sq" cmpd="thinThick">
-            <a:noFill/>
-          </a:ln>
         </p:spPr>
         <p:style>
           <a:lnRef idx="2">
@@ -4390,88 +4398,249 @@
           <a:lstStyle/>
           <a:p>
             <a:pPr algn="ctr"/>
-            <a:endParaRPr lang="en-US"/>
-          </a:p>
-        </p:txBody>
-      </p:sp>
-      <p:sp>
-        <p:nvSpPr>
-          <p:cNvPr id="2" name="Title 1">
+            <a:r>
+              <a:rPr lang="en-IN" dirty="0">
+                <a:latin typeface="Segoe UI" panose="020B0502040204020203" pitchFamily="34" charset="0"/>
+                <a:cs typeface="Segoe UI" panose="020B0502040204020203" pitchFamily="34" charset="0"/>
+              </a:rPr>
+              <a:t>Storage Spaces Direct</a:t>
+            </a:r>
+          </a:p>
+        </p:txBody>
+      </p:sp>
+      <p:sp>
+        <p:nvSpPr>
+          <p:cNvPr id="5" name="Rectangle 4">
             <a:extLst>
               <a:ext uri="{FF2B5EF4-FFF2-40B4-BE49-F238E27FC236}">
-                <a16:creationId xmlns:a16="http://schemas.microsoft.com/office/drawing/2014/main" id="{5403653D-A157-4DB5-AE2A-E0154FC4411B}"/>
+                <a16:creationId xmlns:a16="http://schemas.microsoft.com/office/drawing/2014/main" id="{D744B146-51FF-4D47-BA88-BE4F5C41EB03}"/>
               </a:ext>
             </a:extLst>
           </p:cNvPr>
-          <p:cNvSpPr>
-            <a:spLocks noGrp="1"/>
-          </p:cNvSpPr>
-          <p:nvPr>
-            <p:ph type="title"/>
-          </p:nvPr>
-        </p:nvSpPr>
-        <p:spPr>
-          <a:xfrm>
-            <a:off x="838200" y="963877"/>
-            <a:ext cx="3494362" cy="4930246"/>
-          </a:xfrm>
-        </p:spPr>
-        <p:txBody>
-          <a:bodyPr>
-            <a:normAutofit/>
-          </a:bodyPr>
-          <a:lstStyle/>
-          <a:p>
-            <a:pPr algn="r"/>
-            <a:r>
-              <a:rPr lang="en-US">
-                <a:solidFill>
-                  <a:schemeClr val="accent1"/>
-                </a:solidFill>
+          <p:cNvSpPr/>
+          <p:nvPr/>
+        </p:nvSpPr>
+        <p:spPr>
+          <a:xfrm>
+            <a:off x="1832224" y="2679843"/>
+            <a:ext cx="2799708" cy="534256"/>
+          </a:xfrm>
+          <a:prstGeom prst="rect">
+            <a:avLst/>
+          </a:prstGeom>
+        </p:spPr>
+        <p:style>
+          <a:lnRef idx="2">
+            <a:schemeClr val="accent1">
+              <a:shade val="50000"/>
+            </a:schemeClr>
+          </a:lnRef>
+          <a:fillRef idx="1">
+            <a:schemeClr val="accent1"/>
+          </a:fillRef>
+          <a:effectRef idx="0">
+            <a:schemeClr val="accent1"/>
+          </a:effectRef>
+          <a:fontRef idx="minor">
+            <a:schemeClr val="lt1"/>
+          </a:fontRef>
+        </p:style>
+        <p:txBody>
+          <a:bodyPr rtlCol="0" anchor="ctr"/>
+          <a:lstStyle/>
+          <a:p>
+            <a:pPr algn="ctr"/>
+            <a:r>
+              <a:rPr lang="en-IN" dirty="0">
+                <a:latin typeface="Segoe UI" panose="020B0502040204020203" pitchFamily="34" charset="0"/>
+                <a:cs typeface="Segoe UI" panose="020B0502040204020203" pitchFamily="34" charset="0"/>
               </a:rPr>
-              <a:t>Demo</a:t>
+              <a:t>Hyper-Converged Infra</a:t>
+            </a:r>
+          </a:p>
+        </p:txBody>
+      </p:sp>
+      <p:sp>
+        <p:nvSpPr>
+          <p:cNvPr id="6" name="Rectangle 5">
+            <a:extLst>
+              <a:ext uri="{FF2B5EF4-FFF2-40B4-BE49-F238E27FC236}">
+                <a16:creationId xmlns:a16="http://schemas.microsoft.com/office/drawing/2014/main" id="{890A32E7-EF4E-45C0-9592-00CDE892EDF9}"/>
+              </a:ext>
+            </a:extLst>
+          </p:cNvPr>
+          <p:cNvSpPr/>
+          <p:nvPr/>
+        </p:nvSpPr>
+        <p:spPr>
+          <a:xfrm>
+            <a:off x="6577173" y="2698679"/>
+            <a:ext cx="2799708" cy="534256"/>
+          </a:xfrm>
+          <a:prstGeom prst="rect">
+            <a:avLst/>
+          </a:prstGeom>
+        </p:spPr>
+        <p:style>
+          <a:lnRef idx="2">
+            <a:schemeClr val="accent1">
+              <a:shade val="50000"/>
+            </a:schemeClr>
+          </a:lnRef>
+          <a:fillRef idx="1">
+            <a:schemeClr val="accent1"/>
+          </a:fillRef>
+          <a:effectRef idx="0">
+            <a:schemeClr val="accent1"/>
+          </a:effectRef>
+          <a:fontRef idx="minor">
+            <a:schemeClr val="lt1"/>
+          </a:fontRef>
+        </p:style>
+        <p:txBody>
+          <a:bodyPr rtlCol="0" anchor="ctr"/>
+          <a:lstStyle/>
+          <a:p>
+            <a:pPr algn="ctr"/>
+            <a:r>
+              <a:rPr lang="en-IN" dirty="0">
+                <a:latin typeface="Segoe UI" panose="020B0502040204020203" pitchFamily="34" charset="0"/>
+                <a:cs typeface="Segoe UI" panose="020B0502040204020203" pitchFamily="34" charset="0"/>
+              </a:rPr>
+              <a:t>Disaggregated Infra</a:t>
+            </a:r>
+          </a:p>
+        </p:txBody>
+      </p:sp>
+      <p:sp>
+        <p:nvSpPr>
+          <p:cNvPr id="7" name="Rectangle 6">
+            <a:extLst>
+              <a:ext uri="{FF2B5EF4-FFF2-40B4-BE49-F238E27FC236}">
+                <a16:creationId xmlns:a16="http://schemas.microsoft.com/office/drawing/2014/main" id="{DD5854AE-D3F5-4D79-B102-5561AFB3BD66}"/>
+              </a:ext>
+            </a:extLst>
+          </p:cNvPr>
+          <p:cNvSpPr/>
+          <p:nvPr/>
+        </p:nvSpPr>
+        <p:spPr>
+          <a:xfrm>
+            <a:off x="2493195" y="3796303"/>
+            <a:ext cx="2799708" cy="534256"/>
+          </a:xfrm>
+          <a:prstGeom prst="rect">
+            <a:avLst/>
+          </a:prstGeom>
+        </p:spPr>
+        <p:style>
+          <a:lnRef idx="2">
+            <a:schemeClr val="accent1">
+              <a:shade val="50000"/>
+            </a:schemeClr>
+          </a:lnRef>
+          <a:fillRef idx="1">
+            <a:schemeClr val="accent1"/>
+          </a:fillRef>
+          <a:effectRef idx="0">
+            <a:schemeClr val="accent1"/>
+          </a:effectRef>
+          <a:fontRef idx="minor">
+            <a:schemeClr val="lt1"/>
+          </a:fontRef>
+        </p:style>
+        <p:txBody>
+          <a:bodyPr rtlCol="0" anchor="ctr"/>
+          <a:lstStyle/>
+          <a:p>
+            <a:pPr algn="ctr"/>
+            <a:r>
+              <a:rPr lang="en-IN" dirty="0">
+                <a:latin typeface="Segoe UI" panose="020B0502040204020203" pitchFamily="34" charset="0"/>
+                <a:cs typeface="Segoe UI" panose="020B0502040204020203" pitchFamily="34" charset="0"/>
+              </a:rPr>
+              <a:t>Scalable</a:t>
+            </a:r>
+          </a:p>
+        </p:txBody>
+      </p:sp>
+      <p:sp>
+        <p:nvSpPr>
+          <p:cNvPr id="8" name="Rectangle 7">
+            <a:extLst>
+              <a:ext uri="{FF2B5EF4-FFF2-40B4-BE49-F238E27FC236}">
+                <a16:creationId xmlns:a16="http://schemas.microsoft.com/office/drawing/2014/main" id="{475806A9-C191-4F1B-AFA3-ED647F718275}"/>
+              </a:ext>
+            </a:extLst>
+          </p:cNvPr>
+          <p:cNvSpPr/>
+          <p:nvPr/>
+        </p:nvSpPr>
+        <p:spPr>
+          <a:xfrm>
+            <a:off x="5758665" y="3796303"/>
+            <a:ext cx="2799708" cy="534256"/>
+          </a:xfrm>
+          <a:prstGeom prst="rect">
+            <a:avLst/>
+          </a:prstGeom>
+        </p:spPr>
+        <p:style>
+          <a:lnRef idx="2">
+            <a:schemeClr val="accent1">
+              <a:shade val="50000"/>
+            </a:schemeClr>
+          </a:lnRef>
+          <a:fillRef idx="1">
+            <a:schemeClr val="accent1"/>
+          </a:fillRef>
+          <a:effectRef idx="0">
+            <a:schemeClr val="accent1"/>
+          </a:effectRef>
+          <a:fontRef idx="minor">
+            <a:schemeClr val="lt1"/>
+          </a:fontRef>
+        </p:style>
+        <p:txBody>
+          <a:bodyPr rtlCol="0" anchor="ctr"/>
+          <a:lstStyle/>
+          <a:p>
+            <a:pPr algn="ctr"/>
+            <a:r>
+              <a:rPr lang="en-IN" dirty="0">
+                <a:latin typeface="Segoe UI" panose="020B0502040204020203" pitchFamily="34" charset="0"/>
+                <a:cs typeface="Segoe UI" panose="020B0502040204020203" pitchFamily="34" charset="0"/>
+              </a:rPr>
+              <a:t>ROBO</a:t>
             </a:r>
           </a:p>
         </p:txBody>
       </p:sp>
       <p:cxnSp>
         <p:nvCxnSpPr>
-          <p:cNvPr id="10" name="Straight Connector 9">
+          <p:cNvPr id="10" name="Connector: Elbow 9">
             <a:extLst>
               <a:ext uri="{FF2B5EF4-FFF2-40B4-BE49-F238E27FC236}">
-                <a16:creationId xmlns:a16="http://schemas.microsoft.com/office/drawing/2014/main" id="{2D72A2C9-F3CA-4216-8BAD-FA4C970C3C4E}"/>
-              </a:ext>
-              <a:ext uri="{C183D7F6-B498-43B3-948B-1728B52AA6E4}">
-                <adec:decorative xmlns:adec="http://schemas.microsoft.com/office/drawing/2017/decorative" val="1"/>
+                <a16:creationId xmlns:a16="http://schemas.microsoft.com/office/drawing/2014/main" id="{557E805B-0937-4E6A-A94B-B250E619B1DC}"/>
               </a:ext>
             </a:extLst>
           </p:cNvPr>
           <p:cNvCxnSpPr>
-            <a:cxnSpLocks noGrp="1" noRot="1" noChangeAspect="1" noMove="1" noResize="1" noEditPoints="1" noAdjustHandles="1" noChangeArrowheads="1" noChangeShapeType="1"/>
+            <a:stCxn id="3" idx="2"/>
+            <a:endCxn id="5" idx="0"/>
           </p:cNvCxnSpPr>
-          <p:nvPr>
-            <p:extLst>
-              <p:ext uri="{386F3935-93C4-4BCD-93E2-E3B085C9AB24}">
-                <p16:designElem xmlns:p16="http://schemas.microsoft.com/office/powerpoint/2015/main" val="1"/>
-              </p:ext>
-            </p:extLst>
-          </p:nvPr>
+          <p:nvPr/>
         </p:nvCxnSpPr>
         <p:spPr>
-          <a:xfrm>
-            <a:off x="4654296" y="2057400"/>
-            <a:ext cx="0" cy="2743200"/>
-          </a:xfrm>
-          <a:prstGeom prst="line">
+          <a:xfrm rot="5400000">
+            <a:off x="4261207" y="1333928"/>
+            <a:ext cx="316787" cy="2375043"/>
+          </a:xfrm>
+          <a:prstGeom prst="bentConnector3">
             <a:avLst/>
           </a:prstGeom>
-          <a:ln w="19050">
-            <a:solidFill>
-              <a:schemeClr val="tx1">
-                <a:lumMod val="85000"/>
-                <a:lumOff val="15000"/>
-              </a:schemeClr>
-            </a:solidFill>
+          <a:ln>
+            <a:tailEnd type="triangle"/>
           </a:ln>
         </p:spPr>
         <p:style>
@@ -4489,12 +4658,554 @@
           </a:fontRef>
         </p:style>
       </p:cxnSp>
-      <p:sp>
-        <p:nvSpPr>
-          <p:cNvPr id="3" name="Content Placeholder 2">
+      <p:cxnSp>
+        <p:nvCxnSpPr>
+          <p:cNvPr id="12" name="Connector: Elbow 11">
             <a:extLst>
               <a:ext uri="{FF2B5EF4-FFF2-40B4-BE49-F238E27FC236}">
-                <a16:creationId xmlns:a16="http://schemas.microsoft.com/office/drawing/2014/main" id="{264C6B47-F36C-4D16-BF85-3FF28D93429A}"/>
+                <a16:creationId xmlns:a16="http://schemas.microsoft.com/office/drawing/2014/main" id="{F39EEA2A-F81F-4A1A-AE87-F6263290B171}"/>
+              </a:ext>
+            </a:extLst>
+          </p:cNvPr>
+          <p:cNvCxnSpPr>
+            <a:stCxn id="3" idx="2"/>
+            <a:endCxn id="6" idx="0"/>
+          </p:cNvCxnSpPr>
+          <p:nvPr/>
+        </p:nvCxnSpPr>
+        <p:spPr>
+          <a:xfrm rot="16200000" flipH="1">
+            <a:off x="6624263" y="1345914"/>
+            <a:ext cx="335623" cy="2369906"/>
+          </a:xfrm>
+          <a:prstGeom prst="bentConnector3">
+            <a:avLst/>
+          </a:prstGeom>
+          <a:ln>
+            <a:tailEnd type="triangle"/>
+          </a:ln>
+        </p:spPr>
+        <p:style>
+          <a:lnRef idx="1">
+            <a:schemeClr val="accent1"/>
+          </a:lnRef>
+          <a:fillRef idx="0">
+            <a:schemeClr val="accent1"/>
+          </a:fillRef>
+          <a:effectRef idx="0">
+            <a:schemeClr val="accent1"/>
+          </a:effectRef>
+          <a:fontRef idx="minor">
+            <a:schemeClr val="tx1"/>
+          </a:fontRef>
+        </p:style>
+      </p:cxnSp>
+      <p:cxnSp>
+        <p:nvCxnSpPr>
+          <p:cNvPr id="16" name="Connector: Elbow 15">
+            <a:extLst>
+              <a:ext uri="{FF2B5EF4-FFF2-40B4-BE49-F238E27FC236}">
+                <a16:creationId xmlns:a16="http://schemas.microsoft.com/office/drawing/2014/main" id="{9BB5102F-2C1E-4A93-9982-C1E54642BAAE}"/>
+              </a:ext>
+            </a:extLst>
+          </p:cNvPr>
+          <p:cNvCxnSpPr>
+            <a:cxnSpLocks/>
+            <a:stCxn id="5" idx="2"/>
+            <a:endCxn id="7" idx="0"/>
+          </p:cNvCxnSpPr>
+          <p:nvPr/>
+        </p:nvCxnSpPr>
+        <p:spPr>
+          <a:xfrm rot="16200000" flipH="1">
+            <a:off x="3271461" y="3174715"/>
+            <a:ext cx="582204" cy="660971"/>
+          </a:xfrm>
+          <a:prstGeom prst="bentConnector3">
+            <a:avLst/>
+          </a:prstGeom>
+          <a:ln>
+            <a:tailEnd type="triangle"/>
+          </a:ln>
+        </p:spPr>
+        <p:style>
+          <a:lnRef idx="1">
+            <a:schemeClr val="accent1"/>
+          </a:lnRef>
+          <a:fillRef idx="0">
+            <a:schemeClr val="accent1"/>
+          </a:fillRef>
+          <a:effectRef idx="0">
+            <a:schemeClr val="accent1"/>
+          </a:effectRef>
+          <a:fontRef idx="minor">
+            <a:schemeClr val="tx1"/>
+          </a:fontRef>
+        </p:style>
+      </p:cxnSp>
+      <p:cxnSp>
+        <p:nvCxnSpPr>
+          <p:cNvPr id="18" name="Connector: Elbow 17">
+            <a:extLst>
+              <a:ext uri="{FF2B5EF4-FFF2-40B4-BE49-F238E27FC236}">
+                <a16:creationId xmlns:a16="http://schemas.microsoft.com/office/drawing/2014/main" id="{BDF012AE-FA3A-42C1-A037-B8CD57FE3A05}"/>
+              </a:ext>
+            </a:extLst>
+          </p:cNvPr>
+          <p:cNvCxnSpPr>
+            <a:cxnSpLocks/>
+            <a:stCxn id="5" idx="2"/>
+            <a:endCxn id="8" idx="0"/>
+          </p:cNvCxnSpPr>
+          <p:nvPr/>
+        </p:nvCxnSpPr>
+        <p:spPr>
+          <a:xfrm rot="16200000" flipH="1">
+            <a:off x="4904196" y="1541980"/>
+            <a:ext cx="582204" cy="3926441"/>
+          </a:xfrm>
+          <a:prstGeom prst="bentConnector3">
+            <a:avLst/>
+          </a:prstGeom>
+          <a:ln>
+            <a:tailEnd type="triangle"/>
+          </a:ln>
+        </p:spPr>
+        <p:style>
+          <a:lnRef idx="1">
+            <a:schemeClr val="accent1"/>
+          </a:lnRef>
+          <a:fillRef idx="0">
+            <a:schemeClr val="accent1"/>
+          </a:fillRef>
+          <a:effectRef idx="0">
+            <a:schemeClr val="accent1"/>
+          </a:effectRef>
+          <a:fontRef idx="minor">
+            <a:schemeClr val="tx1"/>
+          </a:fontRef>
+        </p:style>
+      </p:cxnSp>
+      <p:sp>
+        <p:nvSpPr>
+          <p:cNvPr id="20" name="Rectangle 19">
+            <a:extLst>
+              <a:ext uri="{FF2B5EF4-FFF2-40B4-BE49-F238E27FC236}">
+                <a16:creationId xmlns:a16="http://schemas.microsoft.com/office/drawing/2014/main" id="{71F1316A-3929-4EA5-B4A0-9C17CB477963}"/>
+              </a:ext>
+            </a:extLst>
+          </p:cNvPr>
+          <p:cNvSpPr/>
+          <p:nvPr/>
+        </p:nvSpPr>
+        <p:spPr>
+          <a:xfrm>
+            <a:off x="926379" y="4845979"/>
+            <a:ext cx="2799708" cy="534256"/>
+          </a:xfrm>
+          <a:prstGeom prst="rect">
+            <a:avLst/>
+          </a:prstGeom>
+        </p:spPr>
+        <p:style>
+          <a:lnRef idx="2">
+            <a:schemeClr val="accent1">
+              <a:shade val="50000"/>
+            </a:schemeClr>
+          </a:lnRef>
+          <a:fillRef idx="1">
+            <a:schemeClr val="accent1"/>
+          </a:fillRef>
+          <a:effectRef idx="0">
+            <a:schemeClr val="accent1"/>
+          </a:effectRef>
+          <a:fontRef idx="minor">
+            <a:schemeClr val="lt1"/>
+          </a:fontRef>
+        </p:style>
+        <p:txBody>
+          <a:bodyPr rtlCol="0" anchor="ctr"/>
+          <a:lstStyle/>
+          <a:p>
+            <a:pPr algn="ctr"/>
+            <a:r>
+              <a:rPr lang="en-IN" dirty="0">
+                <a:latin typeface="Segoe UI" panose="020B0502040204020203" pitchFamily="34" charset="0"/>
+                <a:cs typeface="Segoe UI" panose="020B0502040204020203" pitchFamily="34" charset="0"/>
+              </a:rPr>
+              <a:t>Fully-Converged</a:t>
+            </a:r>
+          </a:p>
+        </p:txBody>
+      </p:sp>
+      <p:sp>
+        <p:nvSpPr>
+          <p:cNvPr id="21" name="Rectangle 20">
+            <a:extLst>
+              <a:ext uri="{FF2B5EF4-FFF2-40B4-BE49-F238E27FC236}">
+                <a16:creationId xmlns:a16="http://schemas.microsoft.com/office/drawing/2014/main" id="{A92AA650-9459-4C83-95DB-F49A6B13C3E2}"/>
+              </a:ext>
+            </a:extLst>
+          </p:cNvPr>
+          <p:cNvSpPr/>
+          <p:nvPr/>
+        </p:nvSpPr>
+        <p:spPr>
+          <a:xfrm>
+            <a:off x="4191849" y="4845979"/>
+            <a:ext cx="2799708" cy="534256"/>
+          </a:xfrm>
+          <a:prstGeom prst="rect">
+            <a:avLst/>
+          </a:prstGeom>
+        </p:spPr>
+        <p:style>
+          <a:lnRef idx="2">
+            <a:schemeClr val="accent1">
+              <a:shade val="50000"/>
+            </a:schemeClr>
+          </a:lnRef>
+          <a:fillRef idx="1">
+            <a:schemeClr val="accent1"/>
+          </a:fillRef>
+          <a:effectRef idx="0">
+            <a:schemeClr val="accent1"/>
+          </a:effectRef>
+          <a:fontRef idx="minor">
+            <a:schemeClr val="lt1"/>
+          </a:fontRef>
+        </p:style>
+        <p:txBody>
+          <a:bodyPr rtlCol="0" anchor="ctr"/>
+          <a:lstStyle/>
+          <a:p>
+            <a:pPr algn="ctr"/>
+            <a:r>
+              <a:rPr lang="en-IN" dirty="0">
+                <a:latin typeface="Segoe UI" panose="020B0502040204020203" pitchFamily="34" charset="0"/>
+                <a:cs typeface="Segoe UI" panose="020B0502040204020203" pitchFamily="34" charset="0"/>
+              </a:rPr>
+              <a:t>Non-Converged</a:t>
+            </a:r>
+          </a:p>
+        </p:txBody>
+      </p:sp>
+      <p:cxnSp>
+        <p:nvCxnSpPr>
+          <p:cNvPr id="23" name="Connector: Elbow 22">
+            <a:extLst>
+              <a:ext uri="{FF2B5EF4-FFF2-40B4-BE49-F238E27FC236}">
+                <a16:creationId xmlns:a16="http://schemas.microsoft.com/office/drawing/2014/main" id="{4123C380-4EA7-4FD5-A6DA-EE558DF659DF}"/>
+              </a:ext>
+            </a:extLst>
+          </p:cNvPr>
+          <p:cNvCxnSpPr>
+            <a:stCxn id="7" idx="2"/>
+            <a:endCxn id="20" idx="0"/>
+          </p:cNvCxnSpPr>
+          <p:nvPr/>
+        </p:nvCxnSpPr>
+        <p:spPr>
+          <a:xfrm rot="5400000">
+            <a:off x="2851931" y="3804861"/>
+            <a:ext cx="515420" cy="1566816"/>
+          </a:xfrm>
+          <a:prstGeom prst="bentConnector3">
+            <a:avLst/>
+          </a:prstGeom>
+          <a:ln>
+            <a:tailEnd type="triangle"/>
+          </a:ln>
+        </p:spPr>
+        <p:style>
+          <a:lnRef idx="1">
+            <a:schemeClr val="accent1"/>
+          </a:lnRef>
+          <a:fillRef idx="0">
+            <a:schemeClr val="accent1"/>
+          </a:fillRef>
+          <a:effectRef idx="0">
+            <a:schemeClr val="accent1"/>
+          </a:effectRef>
+          <a:fontRef idx="minor">
+            <a:schemeClr val="tx1"/>
+          </a:fontRef>
+        </p:style>
+      </p:cxnSp>
+      <p:cxnSp>
+        <p:nvCxnSpPr>
+          <p:cNvPr id="25" name="Connector: Elbow 24">
+            <a:extLst>
+              <a:ext uri="{FF2B5EF4-FFF2-40B4-BE49-F238E27FC236}">
+                <a16:creationId xmlns:a16="http://schemas.microsoft.com/office/drawing/2014/main" id="{778B335F-EB5F-4EE5-A47A-B4D4C7602FB8}"/>
+              </a:ext>
+            </a:extLst>
+          </p:cNvPr>
+          <p:cNvCxnSpPr>
+            <a:stCxn id="7" idx="2"/>
+            <a:endCxn id="21" idx="0"/>
+          </p:cNvCxnSpPr>
+          <p:nvPr/>
+        </p:nvCxnSpPr>
+        <p:spPr>
+          <a:xfrm rot="16200000" flipH="1">
+            <a:off x="4484666" y="3738942"/>
+            <a:ext cx="515420" cy="1698654"/>
+          </a:xfrm>
+          <a:prstGeom prst="bentConnector3">
+            <a:avLst/>
+          </a:prstGeom>
+          <a:ln>
+            <a:tailEnd type="triangle"/>
+          </a:ln>
+        </p:spPr>
+        <p:style>
+          <a:lnRef idx="1">
+            <a:schemeClr val="accent1"/>
+          </a:lnRef>
+          <a:fillRef idx="0">
+            <a:schemeClr val="accent1"/>
+          </a:fillRef>
+          <a:effectRef idx="0">
+            <a:schemeClr val="accent1"/>
+          </a:effectRef>
+          <a:fontRef idx="minor">
+            <a:schemeClr val="tx1"/>
+          </a:fontRef>
+        </p:style>
+      </p:cxnSp>
+      <p:sp>
+        <p:nvSpPr>
+          <p:cNvPr id="31" name="Rectangle 30">
+            <a:extLst>
+              <a:ext uri="{FF2B5EF4-FFF2-40B4-BE49-F238E27FC236}">
+                <a16:creationId xmlns:a16="http://schemas.microsoft.com/office/drawing/2014/main" id="{89817BE4-F086-437F-9C0E-E1E6EBDE4237}"/>
+              </a:ext>
+            </a:extLst>
+          </p:cNvPr>
+          <p:cNvSpPr/>
+          <p:nvPr/>
+        </p:nvSpPr>
+        <p:spPr>
+          <a:xfrm>
+            <a:off x="2509452" y="5712433"/>
+            <a:ext cx="2799708" cy="534256"/>
+          </a:xfrm>
+          <a:prstGeom prst="rect">
+            <a:avLst/>
+          </a:prstGeom>
+        </p:spPr>
+        <p:style>
+          <a:lnRef idx="2">
+            <a:schemeClr val="accent1">
+              <a:shade val="50000"/>
+            </a:schemeClr>
+          </a:lnRef>
+          <a:fillRef idx="1">
+            <a:schemeClr val="accent1"/>
+          </a:fillRef>
+          <a:effectRef idx="0">
+            <a:schemeClr val="accent1"/>
+          </a:effectRef>
+          <a:fontRef idx="minor">
+            <a:schemeClr val="lt1"/>
+          </a:fontRef>
+        </p:style>
+        <p:txBody>
+          <a:bodyPr rtlCol="0" anchor="ctr"/>
+          <a:lstStyle/>
+          <a:p>
+            <a:pPr algn="ctr"/>
+            <a:r>
+              <a:rPr lang="en-IN" dirty="0" err="1">
+                <a:latin typeface="Segoe UI" panose="020B0502040204020203" pitchFamily="34" charset="0"/>
+                <a:cs typeface="Segoe UI" panose="020B0502040204020203" pitchFamily="34" charset="0"/>
+              </a:rPr>
+              <a:t>RoCE</a:t>
+            </a:r>
+            <a:endParaRPr lang="en-IN" dirty="0">
+              <a:latin typeface="Segoe UI" panose="020B0502040204020203" pitchFamily="34" charset="0"/>
+              <a:cs typeface="Segoe UI" panose="020B0502040204020203" pitchFamily="34" charset="0"/>
+            </a:endParaRPr>
+          </a:p>
+        </p:txBody>
+      </p:sp>
+      <p:sp>
+        <p:nvSpPr>
+          <p:cNvPr id="32" name="Rectangle 31">
+            <a:extLst>
+              <a:ext uri="{FF2B5EF4-FFF2-40B4-BE49-F238E27FC236}">
+                <a16:creationId xmlns:a16="http://schemas.microsoft.com/office/drawing/2014/main" id="{1D9C1A3E-44AA-4EAF-8F57-6218EF557182}"/>
+              </a:ext>
+            </a:extLst>
+          </p:cNvPr>
+          <p:cNvSpPr/>
+          <p:nvPr/>
+        </p:nvSpPr>
+        <p:spPr>
+          <a:xfrm>
+            <a:off x="5784352" y="5712433"/>
+            <a:ext cx="2799708" cy="534256"/>
+          </a:xfrm>
+          <a:prstGeom prst="rect">
+            <a:avLst/>
+          </a:prstGeom>
+        </p:spPr>
+        <p:style>
+          <a:lnRef idx="2">
+            <a:schemeClr val="accent1">
+              <a:shade val="50000"/>
+            </a:schemeClr>
+          </a:lnRef>
+          <a:fillRef idx="1">
+            <a:schemeClr val="accent1"/>
+          </a:fillRef>
+          <a:effectRef idx="0">
+            <a:schemeClr val="accent1"/>
+          </a:effectRef>
+          <a:fontRef idx="minor">
+            <a:schemeClr val="lt1"/>
+          </a:fontRef>
+        </p:style>
+        <p:txBody>
+          <a:bodyPr rtlCol="0" anchor="ctr"/>
+          <a:lstStyle/>
+          <a:p>
+            <a:pPr algn="ctr"/>
+            <a:r>
+              <a:rPr lang="en-IN" dirty="0" err="1">
+                <a:latin typeface="Segoe UI" panose="020B0502040204020203" pitchFamily="34" charset="0"/>
+                <a:cs typeface="Segoe UI" panose="020B0502040204020203" pitchFamily="34" charset="0"/>
+              </a:rPr>
+              <a:t>iWarp</a:t>
+            </a:r>
+            <a:endParaRPr lang="en-IN" dirty="0">
+              <a:latin typeface="Segoe UI" panose="020B0502040204020203" pitchFamily="34" charset="0"/>
+              <a:cs typeface="Segoe UI" panose="020B0502040204020203" pitchFamily="34" charset="0"/>
+            </a:endParaRPr>
+          </a:p>
+        </p:txBody>
+      </p:sp>
+      <p:cxnSp>
+        <p:nvCxnSpPr>
+          <p:cNvPr id="34" name="Connector: Elbow 33">
+            <a:extLst>
+              <a:ext uri="{FF2B5EF4-FFF2-40B4-BE49-F238E27FC236}">
+                <a16:creationId xmlns:a16="http://schemas.microsoft.com/office/drawing/2014/main" id="{7EAE66AD-7542-4E47-982D-93B25D9D2E55}"/>
+              </a:ext>
+            </a:extLst>
+          </p:cNvPr>
+          <p:cNvCxnSpPr>
+            <a:stCxn id="20" idx="2"/>
+            <a:endCxn id="31" idx="0"/>
+          </p:cNvCxnSpPr>
+          <p:nvPr/>
+        </p:nvCxnSpPr>
+        <p:spPr>
+          <a:xfrm rot="16200000" flipH="1">
+            <a:off x="2951670" y="4754797"/>
+            <a:ext cx="332198" cy="1583073"/>
+          </a:xfrm>
+          <a:prstGeom prst="bentConnector3">
+            <a:avLst/>
+          </a:prstGeom>
+          <a:ln>
+            <a:tailEnd type="triangle"/>
+          </a:ln>
+        </p:spPr>
+        <p:style>
+          <a:lnRef idx="1">
+            <a:schemeClr val="accent1"/>
+          </a:lnRef>
+          <a:fillRef idx="0">
+            <a:schemeClr val="accent1"/>
+          </a:fillRef>
+          <a:effectRef idx="0">
+            <a:schemeClr val="accent1"/>
+          </a:effectRef>
+          <a:fontRef idx="minor">
+            <a:schemeClr val="tx1"/>
+          </a:fontRef>
+        </p:style>
+      </p:cxnSp>
+      <p:cxnSp>
+        <p:nvCxnSpPr>
+          <p:cNvPr id="36" name="Connector: Elbow 35">
+            <a:extLst>
+              <a:ext uri="{FF2B5EF4-FFF2-40B4-BE49-F238E27FC236}">
+                <a16:creationId xmlns:a16="http://schemas.microsoft.com/office/drawing/2014/main" id="{9CA445F0-0E3E-4920-8764-FEE9A9632474}"/>
+              </a:ext>
+            </a:extLst>
+          </p:cNvPr>
+          <p:cNvCxnSpPr>
+            <a:stCxn id="20" idx="2"/>
+            <a:endCxn id="32" idx="0"/>
+          </p:cNvCxnSpPr>
+          <p:nvPr/>
+        </p:nvCxnSpPr>
+        <p:spPr>
+          <a:xfrm rot="16200000" flipH="1">
+            <a:off x="4589120" y="3117347"/>
+            <a:ext cx="332198" cy="4857973"/>
+          </a:xfrm>
+          <a:prstGeom prst="bentConnector3">
+            <a:avLst/>
+          </a:prstGeom>
+          <a:ln>
+            <a:tailEnd type="triangle"/>
+          </a:ln>
+        </p:spPr>
+        <p:style>
+          <a:lnRef idx="1">
+            <a:schemeClr val="accent1"/>
+          </a:lnRef>
+          <a:fillRef idx="0">
+            <a:schemeClr val="accent1"/>
+          </a:fillRef>
+          <a:effectRef idx="0">
+            <a:schemeClr val="accent1"/>
+          </a:effectRef>
+          <a:fontRef idx="minor">
+            <a:schemeClr val="tx1"/>
+          </a:fontRef>
+        </p:style>
+      </p:cxnSp>
+    </p:spTree>
+    <p:extLst>
+      <p:ext uri="{BB962C8B-B14F-4D97-AF65-F5344CB8AC3E}">
+        <p14:creationId xmlns:p14="http://schemas.microsoft.com/office/powerpoint/2010/main" val="4168848857"/>
+      </p:ext>
+    </p:extLst>
+  </p:cSld>
+  <p:clrMapOvr>
+    <a:masterClrMapping/>
+  </p:clrMapOvr>
+</p:sld>
+</file>
+
+<file path=ppt/slides/slide12.xml><?xml version="1.0" encoding="utf-8"?>
+<p:sld xmlns:a="http://schemas.openxmlformats.org/drawingml/2006/main" xmlns:r="http://schemas.openxmlformats.org/officeDocument/2006/relationships" xmlns:p="http://schemas.openxmlformats.org/presentationml/2006/main">
+  <p:cSld>
+    <p:spTree>
+      <p:nvGrpSpPr>
+        <p:cNvPr id="1" name=""/>
+        <p:cNvGrpSpPr/>
+        <p:nvPr/>
+      </p:nvGrpSpPr>
+      <p:grpSpPr>
+        <a:xfrm>
+          <a:off x="0" y="0"/>
+          <a:ext cx="0" cy="0"/>
+          <a:chOff x="0" y="0"/>
+          <a:chExt cx="0" cy="0"/>
+        </a:xfrm>
+      </p:grpSpPr>
+      <p:sp>
+        <p:nvSpPr>
+          <p:cNvPr id="2" name="Title 1">
+            <a:extLst>
+              <a:ext uri="{FF2B5EF4-FFF2-40B4-BE49-F238E27FC236}">
+                <a16:creationId xmlns:a16="http://schemas.microsoft.com/office/drawing/2014/main" id="{351EF11A-F6AF-493B-815F-B22AADF45F75}"/>
               </a:ext>
             </a:extLst>
           </p:cNvPr>
@@ -4502,24 +5213,332 @@
             <a:spLocks noGrp="1"/>
           </p:cNvSpPr>
           <p:nvPr>
-            <p:ph idx="1"/>
+            <p:ph type="title"/>
           </p:nvPr>
         </p:nvSpPr>
-        <p:spPr>
-          <a:xfrm>
-            <a:off x="4976031" y="963877"/>
-            <a:ext cx="6377769" cy="4930246"/>
-          </a:xfrm>
-        </p:spPr>
-        <p:txBody>
-          <a:bodyPr anchor="ctr">
-            <a:normAutofit/>
+        <p:spPr/>
+        <p:txBody>
+          <a:bodyPr/>
+          <a:lstStyle/>
+          <a:p>
+            <a:r>
+              <a:rPr lang="en-US" dirty="0">
+                <a:latin typeface="Segoe UI" panose="020B0502040204020203" pitchFamily="34" charset="0"/>
+                <a:cs typeface="Segoe UI" panose="020B0502040204020203" pitchFamily="34" charset="0"/>
+              </a:rPr>
+              <a:t>A little more useful …</a:t>
+            </a:r>
+          </a:p>
+        </p:txBody>
+      </p:sp>
+      <p:sp>
+        <p:nvSpPr>
+          <p:cNvPr id="4" name="Rectangle 3">
+            <a:extLst>
+              <a:ext uri="{FF2B5EF4-FFF2-40B4-BE49-F238E27FC236}">
+                <a16:creationId xmlns:a16="http://schemas.microsoft.com/office/drawing/2014/main" id="{8CB6B145-6ADD-41A7-959F-9369E702B78B}"/>
+              </a:ext>
+            </a:extLst>
+          </p:cNvPr>
+          <p:cNvSpPr/>
+          <p:nvPr/>
+        </p:nvSpPr>
+        <p:spPr>
+          <a:xfrm>
+            <a:off x="3780889" y="4600255"/>
+            <a:ext cx="4083978" cy="554805"/>
+          </a:xfrm>
+          <a:prstGeom prst="rect">
+            <a:avLst/>
+          </a:prstGeom>
+        </p:spPr>
+        <p:style>
+          <a:lnRef idx="2">
+            <a:schemeClr val="accent1">
+              <a:shade val="50000"/>
+            </a:schemeClr>
+          </a:lnRef>
+          <a:fillRef idx="1">
+            <a:schemeClr val="accent1"/>
+          </a:fillRef>
+          <a:effectRef idx="0">
+            <a:schemeClr val="accent1"/>
+          </a:effectRef>
+          <a:fontRef idx="minor">
+            <a:schemeClr val="lt1"/>
+          </a:fontRef>
+        </p:style>
+        <p:txBody>
+          <a:bodyPr rtlCol="0" anchor="ctr"/>
+          <a:lstStyle/>
+          <a:p>
+            <a:pPr algn="ctr"/>
+            <a:r>
+              <a:rPr lang="en-IN" dirty="0">
+                <a:latin typeface="Segoe UI" panose="020B0502040204020203" pitchFamily="34" charset="0"/>
+                <a:cs typeface="Segoe UI" panose="020B0502040204020203" pitchFamily="34" charset="0"/>
+              </a:rPr>
+              <a:t>Deployment Task Engine</a:t>
+            </a:r>
+          </a:p>
+        </p:txBody>
+      </p:sp>
+      <p:sp>
+        <p:nvSpPr>
+          <p:cNvPr id="9" name="Flowchart: Magnetic Disk 8">
+            <a:extLst>
+              <a:ext uri="{FF2B5EF4-FFF2-40B4-BE49-F238E27FC236}">
+                <a16:creationId xmlns:a16="http://schemas.microsoft.com/office/drawing/2014/main" id="{F33CF4CA-C934-4CBE-B171-90687D27C1F4}"/>
+              </a:ext>
+            </a:extLst>
+          </p:cNvPr>
+          <p:cNvSpPr/>
+          <p:nvPr/>
+        </p:nvSpPr>
+        <p:spPr>
+          <a:xfrm>
+            <a:off x="8627722" y="4392204"/>
+            <a:ext cx="832207" cy="960634"/>
+          </a:xfrm>
+          <a:prstGeom prst="flowChartMagneticDisk">
+            <a:avLst/>
+          </a:prstGeom>
+          <a:solidFill>
+            <a:schemeClr val="accent4">
+              <a:lumMod val="60000"/>
+              <a:lumOff val="40000"/>
+            </a:schemeClr>
+          </a:solidFill>
+        </p:spPr>
+        <p:style>
+          <a:lnRef idx="2">
+            <a:schemeClr val="accent1">
+              <a:shade val="50000"/>
+            </a:schemeClr>
+          </a:lnRef>
+          <a:fillRef idx="1">
+            <a:schemeClr val="accent1"/>
+          </a:fillRef>
+          <a:effectRef idx="0">
+            <a:schemeClr val="accent1"/>
+          </a:effectRef>
+          <a:fontRef idx="minor">
+            <a:schemeClr val="lt1"/>
+          </a:fontRef>
+        </p:style>
+        <p:txBody>
+          <a:bodyPr rtlCol="0" anchor="ctr"/>
+          <a:lstStyle/>
+          <a:p>
+            <a:pPr algn="ctr"/>
+            <a:endParaRPr lang="en-IN">
+              <a:latin typeface="Segoe UI" panose="020B0502040204020203" pitchFamily="34" charset="0"/>
+              <a:cs typeface="Segoe UI" panose="020B0502040204020203" pitchFamily="34" charset="0"/>
+            </a:endParaRPr>
+          </a:p>
+        </p:txBody>
+      </p:sp>
+      <p:cxnSp>
+        <p:nvCxnSpPr>
+          <p:cNvPr id="13" name="Connector: Elbow 12">
+            <a:extLst>
+              <a:ext uri="{FF2B5EF4-FFF2-40B4-BE49-F238E27FC236}">
+                <a16:creationId xmlns:a16="http://schemas.microsoft.com/office/drawing/2014/main" id="{5A950D2C-018F-42CC-A910-5C8420181BF7}"/>
+              </a:ext>
+            </a:extLst>
+          </p:cNvPr>
+          <p:cNvCxnSpPr>
+            <a:stCxn id="4" idx="3"/>
+            <a:endCxn id="9" idx="2"/>
+          </p:cNvCxnSpPr>
+          <p:nvPr/>
+        </p:nvCxnSpPr>
+        <p:spPr>
+          <a:xfrm flipV="1">
+            <a:off x="7864867" y="4872521"/>
+            <a:ext cx="762855" cy="5137"/>
+          </a:xfrm>
+          <a:prstGeom prst="bentConnector3">
+            <a:avLst/>
+          </a:prstGeom>
+          <a:ln>
+            <a:tailEnd type="triangle"/>
+          </a:ln>
+        </p:spPr>
+        <p:style>
+          <a:lnRef idx="1">
+            <a:schemeClr val="accent1"/>
+          </a:lnRef>
+          <a:fillRef idx="0">
+            <a:schemeClr val="accent1"/>
+          </a:fillRef>
+          <a:effectRef idx="0">
+            <a:schemeClr val="accent1"/>
+          </a:effectRef>
+          <a:fontRef idx="minor">
+            <a:schemeClr val="tx1"/>
+          </a:fontRef>
+        </p:style>
+      </p:cxnSp>
+      <p:sp>
+        <p:nvSpPr>
+          <p:cNvPr id="14" name="TextBox 13">
+            <a:extLst>
+              <a:ext uri="{FF2B5EF4-FFF2-40B4-BE49-F238E27FC236}">
+                <a16:creationId xmlns:a16="http://schemas.microsoft.com/office/drawing/2014/main" id="{C95FC710-6443-4BEA-B9A9-CF3020EB5324}"/>
+              </a:ext>
+            </a:extLst>
+          </p:cNvPr>
+          <p:cNvSpPr txBox="1"/>
+          <p:nvPr/>
+        </p:nvSpPr>
+        <p:spPr>
+          <a:xfrm>
+            <a:off x="8478221" y="5463823"/>
+            <a:ext cx="1197957" cy="369332"/>
+          </a:xfrm>
+          <a:prstGeom prst="rect">
+            <a:avLst/>
+          </a:prstGeom>
+          <a:noFill/>
+        </p:spPr>
+        <p:txBody>
+          <a:bodyPr wrap="none" rtlCol="0">
+            <a:spAutoFit/>
           </a:bodyPr>
           <a:lstStyle/>
           <a:p>
             <a:r>
-              <a:rPr lang="en-US" sz="2400" dirty="0"/>
-              <a:t>DAaaS in Azure</a:t>
+              <a:rPr lang="en-IN" dirty="0">
+                <a:latin typeface="Segoe UI" panose="020B0502040204020203" pitchFamily="34" charset="0"/>
+                <a:cs typeface="Segoe UI" panose="020B0502040204020203" pitchFamily="34" charset="0"/>
+              </a:rPr>
+              <a:t>Task Store</a:t>
+            </a:r>
+          </a:p>
+        </p:txBody>
+      </p:sp>
+      <p:sp>
+        <p:nvSpPr>
+          <p:cNvPr id="26" name="Rectangle 25">
+            <a:extLst>
+              <a:ext uri="{FF2B5EF4-FFF2-40B4-BE49-F238E27FC236}">
+                <a16:creationId xmlns:a16="http://schemas.microsoft.com/office/drawing/2014/main" id="{064C1260-B8D7-4CBC-8799-F1720EFCA2FE}"/>
+              </a:ext>
+            </a:extLst>
+          </p:cNvPr>
+          <p:cNvSpPr/>
+          <p:nvPr/>
+        </p:nvSpPr>
+        <p:spPr>
+          <a:xfrm>
+            <a:off x="3780889" y="3736687"/>
+            <a:ext cx="4083978" cy="554805"/>
+          </a:xfrm>
+          <a:prstGeom prst="rect">
+            <a:avLst/>
+          </a:prstGeom>
+        </p:spPr>
+        <p:style>
+          <a:lnRef idx="2">
+            <a:schemeClr val="accent1">
+              <a:shade val="50000"/>
+            </a:schemeClr>
+          </a:lnRef>
+          <a:fillRef idx="1">
+            <a:schemeClr val="accent1"/>
+          </a:fillRef>
+          <a:effectRef idx="0">
+            <a:schemeClr val="accent1"/>
+          </a:effectRef>
+          <a:fontRef idx="minor">
+            <a:schemeClr val="lt1"/>
+          </a:fontRef>
+        </p:style>
+        <p:txBody>
+          <a:bodyPr rtlCol="0" anchor="ctr"/>
+          <a:lstStyle/>
+          <a:p>
+            <a:pPr algn="ctr"/>
+            <a:r>
+              <a:rPr lang="en-IN" dirty="0">
+                <a:latin typeface="Segoe UI" panose="020B0502040204020203" pitchFamily="34" charset="0"/>
+                <a:cs typeface="Segoe UI" panose="020B0502040204020203" pitchFamily="34" charset="0"/>
+              </a:rPr>
+              <a:t>Deployment Automation As a Service (</a:t>
+            </a:r>
+            <a:r>
+              <a:rPr lang="en-IN" dirty="0" err="1">
+                <a:latin typeface="Segoe UI" panose="020B0502040204020203" pitchFamily="34" charset="0"/>
+                <a:cs typeface="Segoe UI" panose="020B0502040204020203" pitchFamily="34" charset="0"/>
+              </a:rPr>
+              <a:t>DAaaS</a:t>
+            </a:r>
+            <a:r>
+              <a:rPr lang="en-IN" dirty="0">
+                <a:latin typeface="Segoe UI" panose="020B0502040204020203" pitchFamily="34" charset="0"/>
+                <a:cs typeface="Segoe UI" panose="020B0502040204020203" pitchFamily="34" charset="0"/>
+              </a:rPr>
+              <a:t>)</a:t>
+            </a:r>
+          </a:p>
+        </p:txBody>
+      </p:sp>
+      <p:sp>
+        <p:nvSpPr>
+          <p:cNvPr id="27" name="Rectangle 26">
+            <a:extLst>
+              <a:ext uri="{FF2B5EF4-FFF2-40B4-BE49-F238E27FC236}">
+                <a16:creationId xmlns:a16="http://schemas.microsoft.com/office/drawing/2014/main" id="{8911D458-6651-4A6B-B02E-424D790A6D93}"/>
+              </a:ext>
+            </a:extLst>
+          </p:cNvPr>
+          <p:cNvSpPr/>
+          <p:nvPr/>
+        </p:nvSpPr>
+        <p:spPr>
+          <a:xfrm>
+            <a:off x="3780889" y="2873119"/>
+            <a:ext cx="4083978" cy="554805"/>
+          </a:xfrm>
+          <a:prstGeom prst="rect">
+            <a:avLst/>
+          </a:prstGeom>
+        </p:spPr>
+        <p:style>
+          <a:lnRef idx="2">
+            <a:schemeClr val="accent1">
+              <a:shade val="50000"/>
+            </a:schemeClr>
+          </a:lnRef>
+          <a:fillRef idx="1">
+            <a:schemeClr val="accent1"/>
+          </a:fillRef>
+          <a:effectRef idx="0">
+            <a:schemeClr val="accent1"/>
+          </a:effectRef>
+          <a:fontRef idx="minor">
+            <a:schemeClr val="lt1"/>
+          </a:fontRef>
+        </p:style>
+        <p:txBody>
+          <a:bodyPr rtlCol="0" anchor="ctr"/>
+          <a:lstStyle/>
+          <a:p>
+            <a:pPr algn="ctr"/>
+            <a:r>
+              <a:rPr lang="en-IN" dirty="0" err="1">
+                <a:latin typeface="Segoe UI" panose="020B0502040204020203" pitchFamily="34" charset="0"/>
+                <a:cs typeface="Segoe UI" panose="020B0502040204020203" pitchFamily="34" charset="0"/>
+              </a:rPr>
+              <a:t>DAaaS</a:t>
+            </a:r>
+            <a:r>
+              <a:rPr lang="en-IN" dirty="0">
+                <a:latin typeface="Segoe UI" panose="020B0502040204020203" pitchFamily="34" charset="0"/>
+                <a:cs typeface="Segoe UI" panose="020B0502040204020203" pitchFamily="34" charset="0"/>
+              </a:rPr>
+              <a:t> UI</a:t>
             </a:r>
           </a:p>
         </p:txBody>
@@ -4527,7 +5546,7 @@
     </p:spTree>
     <p:extLst>
       <p:ext uri="{BB962C8B-B14F-4D97-AF65-F5344CB8AC3E}">
-        <p14:creationId xmlns:p14="http://schemas.microsoft.com/office/powerpoint/2010/main" val="2290940064"/>
+        <p14:creationId xmlns:p14="http://schemas.microsoft.com/office/powerpoint/2010/main" val="3248040810"/>
       </p:ext>
     </p:extLst>
   </p:cSld>
@@ -4559,7 +5578,7 @@
           <p:cNvPr id="2" name="Title 1">
             <a:extLst>
               <a:ext uri="{FF2B5EF4-FFF2-40B4-BE49-F238E27FC236}">
-                <a16:creationId xmlns:a16="http://schemas.microsoft.com/office/drawing/2014/main" id="{844D8E00-9BB7-4E59-9884-C8A33FA83380}"/>
+                <a16:creationId xmlns:a16="http://schemas.microsoft.com/office/drawing/2014/main" id="{351EF11A-F6AF-493B-815F-B22AADF45F75}"/>
               </a:ext>
             </a:extLst>
           </p:cNvPr>
@@ -4580,17 +5599,245 @@
                 <a:latin typeface="Segoe UI" panose="020B0502040204020203" pitchFamily="34" charset="0"/>
                 <a:cs typeface="Segoe UI" panose="020B0502040204020203" pitchFamily="34" charset="0"/>
               </a:rPr>
-              <a:t>Summary</a:t>
-            </a:r>
-          </a:p>
-        </p:txBody>
-      </p:sp>
+              <a:t>A little more useful …</a:t>
+            </a:r>
+          </a:p>
+        </p:txBody>
+      </p:sp>
+      <p:pic>
+        <p:nvPicPr>
+          <p:cNvPr id="4" name="Picture 3">
+            <a:extLst>
+              <a:ext uri="{FF2B5EF4-FFF2-40B4-BE49-F238E27FC236}">
+                <a16:creationId xmlns:a16="http://schemas.microsoft.com/office/drawing/2014/main" id="{02597A6C-5B5A-49B5-9C6B-57C98676D53A}"/>
+              </a:ext>
+            </a:extLst>
+          </p:cNvPr>
+          <p:cNvPicPr>
+            <a:picLocks noChangeAspect="1"/>
+          </p:cNvPicPr>
+          <p:nvPr/>
+        </p:nvPicPr>
+        <p:blipFill>
+          <a:blip r:embed="rId2"/>
+          <a:stretch>
+            <a:fillRect/>
+          </a:stretch>
+        </p:blipFill>
+        <p:spPr>
+          <a:xfrm>
+            <a:off x="2402484" y="1690688"/>
+            <a:ext cx="7387032" cy="4280401"/>
+          </a:xfrm>
+          <a:prstGeom prst="rect">
+            <a:avLst/>
+          </a:prstGeom>
+        </p:spPr>
+      </p:pic>
+    </p:spTree>
+    <p:extLst>
+      <p:ext uri="{BB962C8B-B14F-4D97-AF65-F5344CB8AC3E}">
+        <p14:creationId xmlns:p14="http://schemas.microsoft.com/office/powerpoint/2010/main" val="2737997180"/>
+      </p:ext>
+    </p:extLst>
+  </p:cSld>
+  <p:clrMapOvr>
+    <a:masterClrMapping/>
+  </p:clrMapOvr>
+</p:sld>
+</file>
+
+<file path=ppt/slides/slide14.xml><?xml version="1.0" encoding="utf-8"?>
+<p:sld xmlns:a="http://schemas.openxmlformats.org/drawingml/2006/main" xmlns:r="http://schemas.openxmlformats.org/officeDocument/2006/relationships" xmlns:p="http://schemas.openxmlformats.org/presentationml/2006/main">
+  <p:cSld>
+    <p:bg>
+      <p:bgPr>
+        <a:solidFill>
+          <a:schemeClr val="bg1"/>
+        </a:solidFill>
+        <a:effectLst/>
+      </p:bgPr>
+    </p:bg>
+    <p:spTree>
+      <p:nvGrpSpPr>
+        <p:cNvPr id="1" name=""/>
+        <p:cNvGrpSpPr/>
+        <p:nvPr/>
+      </p:nvGrpSpPr>
+      <p:grpSpPr>
+        <a:xfrm>
+          <a:off x="0" y="0"/>
+          <a:ext cx="0" cy="0"/>
+          <a:chOff x="0" y="0"/>
+          <a:chExt cx="0" cy="0"/>
+        </a:xfrm>
+      </p:grpSpPr>
+      <p:sp>
+        <p:nvSpPr>
+          <p:cNvPr id="8" name="Rectangle 7">
+            <a:extLst>
+              <a:ext uri="{FF2B5EF4-FFF2-40B4-BE49-F238E27FC236}">
+                <a16:creationId xmlns:a16="http://schemas.microsoft.com/office/drawing/2014/main" id="{8D70B121-56F4-4848-B38B-182089D909FA}"/>
+              </a:ext>
+              <a:ext uri="{C183D7F6-B498-43B3-948B-1728B52AA6E4}">
+                <adec:decorative xmlns:adec="http://schemas.microsoft.com/office/drawing/2017/decorative" val="1"/>
+              </a:ext>
+            </a:extLst>
+          </p:cNvPr>
+          <p:cNvSpPr>
+            <a:spLocks noGrp="1" noRot="1" noChangeAspect="1" noMove="1" noResize="1" noEditPoints="1" noAdjustHandles="1" noChangeArrowheads="1" noChangeShapeType="1" noTextEdit="1"/>
+          </p:cNvSpPr>
+          <p:nvPr>
+            <p:extLst>
+              <p:ext uri="{386F3935-93C4-4BCD-93E2-E3B085C9AB24}">
+                <p16:designElem xmlns:p16="http://schemas.microsoft.com/office/powerpoint/2015/main" val="1"/>
+              </p:ext>
+            </p:extLst>
+          </p:nvPr>
+        </p:nvSpPr>
+        <p:spPr bwMode="ltGray">
+          <a:xfrm>
+            <a:off x="321564" y="320040"/>
+            <a:ext cx="11548872" cy="6217920"/>
+          </a:xfrm>
+          <a:prstGeom prst="rect">
+            <a:avLst/>
+          </a:prstGeom>
+          <a:solidFill>
+            <a:schemeClr val="tx1">
+              <a:alpha val="8000"/>
+            </a:schemeClr>
+          </a:solidFill>
+          <a:ln w="127000" cap="sq" cmpd="thinThick">
+            <a:noFill/>
+          </a:ln>
+        </p:spPr>
+        <p:style>
+          <a:lnRef idx="2">
+            <a:schemeClr val="accent1">
+              <a:shade val="50000"/>
+            </a:schemeClr>
+          </a:lnRef>
+          <a:fillRef idx="1">
+            <a:schemeClr val="accent1"/>
+          </a:fillRef>
+          <a:effectRef idx="0">
+            <a:schemeClr val="accent1"/>
+          </a:effectRef>
+          <a:fontRef idx="minor">
+            <a:schemeClr val="lt1"/>
+          </a:fontRef>
+        </p:style>
+        <p:txBody>
+          <a:bodyPr rtlCol="0" anchor="ctr"/>
+          <a:lstStyle/>
+          <a:p>
+            <a:pPr algn="ctr"/>
+            <a:endParaRPr lang="en-US"/>
+          </a:p>
+        </p:txBody>
+      </p:sp>
+      <p:sp>
+        <p:nvSpPr>
+          <p:cNvPr id="2" name="Title 1">
+            <a:extLst>
+              <a:ext uri="{FF2B5EF4-FFF2-40B4-BE49-F238E27FC236}">
+                <a16:creationId xmlns:a16="http://schemas.microsoft.com/office/drawing/2014/main" id="{48A6FD1B-269A-4872-941C-86A9184B6439}"/>
+              </a:ext>
+            </a:extLst>
+          </p:cNvPr>
+          <p:cNvSpPr>
+            <a:spLocks noGrp="1"/>
+          </p:cNvSpPr>
+          <p:nvPr>
+            <p:ph type="title"/>
+          </p:nvPr>
+        </p:nvSpPr>
+        <p:spPr>
+          <a:xfrm>
+            <a:off x="838200" y="963877"/>
+            <a:ext cx="3494362" cy="4930246"/>
+          </a:xfrm>
+        </p:spPr>
+        <p:txBody>
+          <a:bodyPr>
+            <a:normAutofit/>
+          </a:bodyPr>
+          <a:lstStyle/>
+          <a:p>
+            <a:pPr algn="r"/>
+            <a:r>
+              <a:rPr lang="en-US" dirty="0">
+                <a:solidFill>
+                  <a:schemeClr val="accent1"/>
+                </a:solidFill>
+              </a:rPr>
+              <a:t>Demo</a:t>
+            </a:r>
+          </a:p>
+        </p:txBody>
+      </p:sp>
+      <p:cxnSp>
+        <p:nvCxnSpPr>
+          <p:cNvPr id="10" name="Straight Connector 9">
+            <a:extLst>
+              <a:ext uri="{FF2B5EF4-FFF2-40B4-BE49-F238E27FC236}">
+                <a16:creationId xmlns:a16="http://schemas.microsoft.com/office/drawing/2014/main" id="{2D72A2C9-F3CA-4216-8BAD-FA4C970C3C4E}"/>
+              </a:ext>
+              <a:ext uri="{C183D7F6-B498-43B3-948B-1728B52AA6E4}">
+                <adec:decorative xmlns:adec="http://schemas.microsoft.com/office/drawing/2017/decorative" val="1"/>
+              </a:ext>
+            </a:extLst>
+          </p:cNvPr>
+          <p:cNvCxnSpPr>
+            <a:cxnSpLocks noGrp="1" noRot="1" noChangeAspect="1" noMove="1" noResize="1" noEditPoints="1" noAdjustHandles="1" noChangeArrowheads="1" noChangeShapeType="1"/>
+          </p:cNvCxnSpPr>
+          <p:nvPr>
+            <p:extLst>
+              <p:ext uri="{386F3935-93C4-4BCD-93E2-E3B085C9AB24}">
+                <p16:designElem xmlns:p16="http://schemas.microsoft.com/office/powerpoint/2015/main" val="1"/>
+              </p:ext>
+            </p:extLst>
+          </p:nvPr>
+        </p:nvCxnSpPr>
+        <p:spPr>
+          <a:xfrm>
+            <a:off x="4654296" y="2057400"/>
+            <a:ext cx="0" cy="2743200"/>
+          </a:xfrm>
+          <a:prstGeom prst="line">
+            <a:avLst/>
+          </a:prstGeom>
+          <a:ln w="19050">
+            <a:solidFill>
+              <a:schemeClr val="tx1">
+                <a:lumMod val="85000"/>
+                <a:lumOff val="15000"/>
+              </a:schemeClr>
+            </a:solidFill>
+          </a:ln>
+        </p:spPr>
+        <p:style>
+          <a:lnRef idx="1">
+            <a:schemeClr val="accent1"/>
+          </a:lnRef>
+          <a:fillRef idx="0">
+            <a:schemeClr val="accent1"/>
+          </a:fillRef>
+          <a:effectRef idx="0">
+            <a:schemeClr val="accent1"/>
+          </a:effectRef>
+          <a:fontRef idx="minor">
+            <a:schemeClr val="tx1"/>
+          </a:fontRef>
+        </p:style>
+      </p:cxnSp>
       <p:sp>
         <p:nvSpPr>
           <p:cNvPr id="3" name="Content Placeholder 2">
             <a:extLst>
               <a:ext uri="{FF2B5EF4-FFF2-40B4-BE49-F238E27FC236}">
-                <a16:creationId xmlns:a16="http://schemas.microsoft.com/office/drawing/2014/main" id="{738D52AB-B7BF-4A2F-BE07-C078D02DB673}"/>
+                <a16:creationId xmlns:a16="http://schemas.microsoft.com/office/drawing/2014/main" id="{8F2DD82F-69EF-4417-B319-D2A4ECEBDC8F}"/>
               </a:ext>
             </a:extLst>
           </p:cNvPr>
@@ -4601,12 +5848,551 @@
             <p:ph idx="1"/>
           </p:nvPr>
         </p:nvSpPr>
+        <p:spPr>
+          <a:xfrm>
+            <a:off x="4976031" y="963877"/>
+            <a:ext cx="6377769" cy="4930246"/>
+          </a:xfrm>
+        </p:spPr>
+        <p:txBody>
+          <a:bodyPr anchor="ctr">
+            <a:normAutofit/>
+          </a:bodyPr>
+          <a:lstStyle/>
+          <a:p>
+            <a:r>
+              <a:rPr lang="en-US" sz="2400" dirty="0"/>
+              <a:t>Deployment Automation as a Service (</a:t>
+            </a:r>
+            <a:r>
+              <a:rPr lang="en-US" sz="2400" dirty="0" err="1"/>
+              <a:t>DAaaS</a:t>
+            </a:r>
+            <a:r>
+              <a:rPr lang="en-US" sz="2400" dirty="0"/>
+              <a:t>)</a:t>
+            </a:r>
+          </a:p>
+          <a:p>
+            <a:r>
+              <a:rPr lang="en-US" sz="2400" dirty="0" err="1"/>
+              <a:t>DAaaS</a:t>
+            </a:r>
+            <a:r>
+              <a:rPr lang="en-US" sz="2400" dirty="0"/>
+              <a:t> UI</a:t>
+            </a:r>
+          </a:p>
+        </p:txBody>
+      </p:sp>
+    </p:spTree>
+    <p:extLst>
+      <p:ext uri="{BB962C8B-B14F-4D97-AF65-F5344CB8AC3E}">
+        <p14:creationId xmlns:p14="http://schemas.microsoft.com/office/powerpoint/2010/main" val="2510191037"/>
+      </p:ext>
+    </p:extLst>
+  </p:cSld>
+  <p:clrMapOvr>
+    <a:masterClrMapping/>
+  </p:clrMapOvr>
+</p:sld>
+</file>
+
+<file path=ppt/slides/slide15.xml><?xml version="1.0" encoding="utf-8"?>
+<p:sld xmlns:a="http://schemas.openxmlformats.org/drawingml/2006/main" xmlns:r="http://schemas.openxmlformats.org/officeDocument/2006/relationships" xmlns:p="http://schemas.openxmlformats.org/presentationml/2006/main">
+  <p:cSld>
+    <p:spTree>
+      <p:nvGrpSpPr>
+        <p:cNvPr id="1" name=""/>
+        <p:cNvGrpSpPr/>
+        <p:nvPr/>
+      </p:nvGrpSpPr>
+      <p:grpSpPr>
+        <a:xfrm>
+          <a:off x="0" y="0"/>
+          <a:ext cx="0" cy="0"/>
+          <a:chOff x="0" y="0"/>
+          <a:chExt cx="0" cy="0"/>
+        </a:xfrm>
+      </p:grpSpPr>
+      <p:sp>
+        <p:nvSpPr>
+          <p:cNvPr id="2" name="Title 1">
+            <a:extLst>
+              <a:ext uri="{FF2B5EF4-FFF2-40B4-BE49-F238E27FC236}">
+                <a16:creationId xmlns:a16="http://schemas.microsoft.com/office/drawing/2014/main" id="{844D8E00-9BB7-4E59-9884-C8A33FA83380}"/>
+              </a:ext>
+            </a:extLst>
+          </p:cNvPr>
+          <p:cNvSpPr>
+            <a:spLocks noGrp="1"/>
+          </p:cNvSpPr>
+          <p:nvPr>
+            <p:ph type="title"/>
+          </p:nvPr>
+        </p:nvSpPr>
         <p:spPr/>
         <p:txBody>
           <a:bodyPr/>
           <a:lstStyle/>
           <a:p>
-            <a:endParaRPr lang="en-US">
+            <a:r>
+              <a:rPr lang="en-US" dirty="0">
+                <a:latin typeface="Segoe UI" panose="020B0502040204020203" pitchFamily="34" charset="0"/>
+                <a:cs typeface="Segoe UI" panose="020B0502040204020203" pitchFamily="34" charset="0"/>
+              </a:rPr>
+              <a:t>BYOA in the Cloud …</a:t>
+            </a:r>
+          </a:p>
+        </p:txBody>
+      </p:sp>
+      <p:sp>
+        <p:nvSpPr>
+          <p:cNvPr id="3" name="Content Placeholder 2">
+            <a:extLst>
+              <a:ext uri="{FF2B5EF4-FFF2-40B4-BE49-F238E27FC236}">
+                <a16:creationId xmlns:a16="http://schemas.microsoft.com/office/drawing/2014/main" id="{738D52AB-B7BF-4A2F-BE07-C078D02DB673}"/>
+              </a:ext>
+            </a:extLst>
+          </p:cNvPr>
+          <p:cNvSpPr>
+            <a:spLocks noGrp="1"/>
+          </p:cNvSpPr>
+          <p:nvPr>
+            <p:ph idx="1"/>
+          </p:nvPr>
+        </p:nvSpPr>
+        <p:spPr/>
+        <p:txBody>
+          <a:bodyPr/>
+          <a:lstStyle/>
+          <a:p>
+            <a:r>
+              <a:rPr lang="en-US" dirty="0">
+                <a:latin typeface="Segoe UI" panose="020B0502040204020203" pitchFamily="34" charset="0"/>
+                <a:cs typeface="Segoe UI" panose="020B0502040204020203" pitchFamily="34" charset="0"/>
+              </a:rPr>
+              <a:t>Several options!</a:t>
+            </a:r>
+          </a:p>
+          <a:p>
+            <a:r>
+              <a:rPr lang="en-US" dirty="0">
+                <a:latin typeface="Segoe UI" panose="020B0502040204020203" pitchFamily="34" charset="0"/>
+                <a:cs typeface="Segoe UI" panose="020B0502040204020203" pitchFamily="34" charset="0"/>
+              </a:rPr>
+              <a:t>Azure Functions with PowerShell (experimental) was an easy choice.</a:t>
+            </a:r>
+          </a:p>
+          <a:p>
+            <a:r>
+              <a:rPr lang="en-US" dirty="0">
+                <a:latin typeface="Segoe UI" panose="020B0502040204020203" pitchFamily="34" charset="0"/>
+                <a:cs typeface="Segoe UI" panose="020B0502040204020203" pitchFamily="34" charset="0"/>
+              </a:rPr>
+              <a:t>With Swagger or </a:t>
+            </a:r>
+            <a:r>
+              <a:rPr lang="en-US" dirty="0" err="1">
+                <a:latin typeface="Segoe UI" panose="020B0502040204020203" pitchFamily="34" charset="0"/>
+                <a:cs typeface="Segoe UI" panose="020B0502040204020203" pitchFamily="34" charset="0"/>
+              </a:rPr>
+              <a:t>OpenAPI</a:t>
+            </a:r>
+            <a:r>
+              <a:rPr lang="en-US" dirty="0">
+                <a:latin typeface="Segoe UI" panose="020B0502040204020203" pitchFamily="34" charset="0"/>
+                <a:cs typeface="Segoe UI" panose="020B0502040204020203" pitchFamily="34" charset="0"/>
+              </a:rPr>
+              <a:t> specification and API management can provide</a:t>
+            </a:r>
+          </a:p>
+          <a:p>
+            <a:pPr lvl="1"/>
+            <a:r>
+              <a:rPr lang="en-US" dirty="0">
+                <a:latin typeface="Segoe UI" panose="020B0502040204020203" pitchFamily="34" charset="0"/>
+                <a:cs typeface="Segoe UI" panose="020B0502040204020203" pitchFamily="34" charset="0"/>
+              </a:rPr>
+              <a:t>Documentation of your API</a:t>
+            </a:r>
+          </a:p>
+          <a:p>
+            <a:pPr lvl="1"/>
+            <a:r>
+              <a:rPr lang="en-US" dirty="0">
+                <a:latin typeface="Segoe UI" panose="020B0502040204020203" pitchFamily="34" charset="0"/>
+                <a:cs typeface="Segoe UI" panose="020B0502040204020203" pitchFamily="34" charset="0"/>
+              </a:rPr>
+              <a:t>Sign up facility</a:t>
+            </a:r>
+          </a:p>
+          <a:p>
+            <a:pPr lvl="1"/>
+            <a:endParaRPr lang="en-US" dirty="0">
+              <a:latin typeface="Segoe UI" panose="020B0502040204020203" pitchFamily="34" charset="0"/>
+              <a:cs typeface="Segoe UI" panose="020B0502040204020203" pitchFamily="34" charset="0"/>
+            </a:endParaRPr>
+          </a:p>
+          <a:p>
+            <a:pPr lvl="1"/>
+            <a:endParaRPr lang="en-US" dirty="0">
+              <a:latin typeface="Segoe UI" panose="020B0502040204020203" pitchFamily="34" charset="0"/>
+              <a:cs typeface="Segoe UI" panose="020B0502040204020203" pitchFamily="34" charset="0"/>
+            </a:endParaRPr>
+          </a:p>
+        </p:txBody>
+      </p:sp>
+    </p:spTree>
+    <p:extLst>
+      <p:ext uri="{BB962C8B-B14F-4D97-AF65-F5344CB8AC3E}">
+        <p14:creationId xmlns:p14="http://schemas.microsoft.com/office/powerpoint/2010/main" val="1064377193"/>
+      </p:ext>
+    </p:extLst>
+  </p:cSld>
+  <p:clrMapOvr>
+    <a:masterClrMapping/>
+  </p:clrMapOvr>
+</p:sld>
+</file>
+
+<file path=ppt/slides/slide16.xml><?xml version="1.0" encoding="utf-8"?>
+<p:sld xmlns:a="http://schemas.openxmlformats.org/drawingml/2006/main" xmlns:r="http://schemas.openxmlformats.org/officeDocument/2006/relationships" xmlns:p="http://schemas.openxmlformats.org/presentationml/2006/main">
+  <p:cSld>
+    <p:bg>
+      <p:bgPr>
+        <a:solidFill>
+          <a:schemeClr val="bg1"/>
+        </a:solidFill>
+        <a:effectLst/>
+      </p:bgPr>
+    </p:bg>
+    <p:spTree>
+      <p:nvGrpSpPr>
+        <p:cNvPr id="1" name=""/>
+        <p:cNvGrpSpPr/>
+        <p:nvPr/>
+      </p:nvGrpSpPr>
+      <p:grpSpPr>
+        <a:xfrm>
+          <a:off x="0" y="0"/>
+          <a:ext cx="0" cy="0"/>
+          <a:chOff x="0" y="0"/>
+          <a:chExt cx="0" cy="0"/>
+        </a:xfrm>
+      </p:grpSpPr>
+      <p:sp>
+        <p:nvSpPr>
+          <p:cNvPr id="8" name="Rectangle 7">
+            <a:extLst>
+              <a:ext uri="{FF2B5EF4-FFF2-40B4-BE49-F238E27FC236}">
+                <a16:creationId xmlns:a16="http://schemas.microsoft.com/office/drawing/2014/main" id="{8D70B121-56F4-4848-B38B-182089D909FA}"/>
+              </a:ext>
+              <a:ext uri="{C183D7F6-B498-43B3-948B-1728B52AA6E4}">
+                <adec:decorative xmlns:adec="http://schemas.microsoft.com/office/drawing/2017/decorative" val="1"/>
+              </a:ext>
+            </a:extLst>
+          </p:cNvPr>
+          <p:cNvSpPr>
+            <a:spLocks noGrp="1" noRot="1" noChangeAspect="1" noMove="1" noResize="1" noEditPoints="1" noAdjustHandles="1" noChangeArrowheads="1" noChangeShapeType="1" noTextEdit="1"/>
+          </p:cNvSpPr>
+          <p:nvPr>
+            <p:extLst>
+              <p:ext uri="{386F3935-93C4-4BCD-93E2-E3B085C9AB24}">
+                <p16:designElem xmlns:p16="http://schemas.microsoft.com/office/powerpoint/2015/main" val="1"/>
+              </p:ext>
+            </p:extLst>
+          </p:nvPr>
+        </p:nvSpPr>
+        <p:spPr bwMode="ltGray">
+          <a:xfrm>
+            <a:off x="321564" y="320040"/>
+            <a:ext cx="11548872" cy="6217920"/>
+          </a:xfrm>
+          <a:prstGeom prst="rect">
+            <a:avLst/>
+          </a:prstGeom>
+          <a:solidFill>
+            <a:schemeClr val="tx1">
+              <a:alpha val="8000"/>
+            </a:schemeClr>
+          </a:solidFill>
+          <a:ln w="127000" cap="sq" cmpd="thinThick">
+            <a:noFill/>
+          </a:ln>
+        </p:spPr>
+        <p:style>
+          <a:lnRef idx="2">
+            <a:schemeClr val="accent1">
+              <a:shade val="50000"/>
+            </a:schemeClr>
+          </a:lnRef>
+          <a:fillRef idx="1">
+            <a:schemeClr val="accent1"/>
+          </a:fillRef>
+          <a:effectRef idx="0">
+            <a:schemeClr val="accent1"/>
+          </a:effectRef>
+          <a:fontRef idx="minor">
+            <a:schemeClr val="lt1"/>
+          </a:fontRef>
+        </p:style>
+        <p:txBody>
+          <a:bodyPr rtlCol="0" anchor="ctr"/>
+          <a:lstStyle/>
+          <a:p>
+            <a:pPr algn="ctr"/>
+            <a:endParaRPr lang="en-US"/>
+          </a:p>
+        </p:txBody>
+      </p:sp>
+      <p:sp>
+        <p:nvSpPr>
+          <p:cNvPr id="2" name="Title 1">
+            <a:extLst>
+              <a:ext uri="{FF2B5EF4-FFF2-40B4-BE49-F238E27FC236}">
+                <a16:creationId xmlns:a16="http://schemas.microsoft.com/office/drawing/2014/main" id="{5403653D-A157-4DB5-AE2A-E0154FC4411B}"/>
+              </a:ext>
+            </a:extLst>
+          </p:cNvPr>
+          <p:cNvSpPr>
+            <a:spLocks noGrp="1"/>
+          </p:cNvSpPr>
+          <p:nvPr>
+            <p:ph type="title"/>
+          </p:nvPr>
+        </p:nvSpPr>
+        <p:spPr>
+          <a:xfrm>
+            <a:off x="838200" y="963877"/>
+            <a:ext cx="3494362" cy="4930246"/>
+          </a:xfrm>
+        </p:spPr>
+        <p:txBody>
+          <a:bodyPr>
+            <a:normAutofit/>
+          </a:bodyPr>
+          <a:lstStyle/>
+          <a:p>
+            <a:pPr algn="r"/>
+            <a:r>
+              <a:rPr lang="en-US">
+                <a:solidFill>
+                  <a:schemeClr val="accent1"/>
+                </a:solidFill>
+              </a:rPr>
+              <a:t>Demo</a:t>
+            </a:r>
+          </a:p>
+        </p:txBody>
+      </p:sp>
+      <p:cxnSp>
+        <p:nvCxnSpPr>
+          <p:cNvPr id="10" name="Straight Connector 9">
+            <a:extLst>
+              <a:ext uri="{FF2B5EF4-FFF2-40B4-BE49-F238E27FC236}">
+                <a16:creationId xmlns:a16="http://schemas.microsoft.com/office/drawing/2014/main" id="{2D72A2C9-F3CA-4216-8BAD-FA4C970C3C4E}"/>
+              </a:ext>
+              <a:ext uri="{C183D7F6-B498-43B3-948B-1728B52AA6E4}">
+                <adec:decorative xmlns:adec="http://schemas.microsoft.com/office/drawing/2017/decorative" val="1"/>
+              </a:ext>
+            </a:extLst>
+          </p:cNvPr>
+          <p:cNvCxnSpPr>
+            <a:cxnSpLocks noGrp="1" noRot="1" noChangeAspect="1" noMove="1" noResize="1" noEditPoints="1" noAdjustHandles="1" noChangeArrowheads="1" noChangeShapeType="1"/>
+          </p:cNvCxnSpPr>
+          <p:nvPr>
+            <p:extLst>
+              <p:ext uri="{386F3935-93C4-4BCD-93E2-E3B085C9AB24}">
+                <p16:designElem xmlns:p16="http://schemas.microsoft.com/office/powerpoint/2015/main" val="1"/>
+              </p:ext>
+            </p:extLst>
+          </p:nvPr>
+        </p:nvCxnSpPr>
+        <p:spPr>
+          <a:xfrm>
+            <a:off x="4654296" y="2057400"/>
+            <a:ext cx="0" cy="2743200"/>
+          </a:xfrm>
+          <a:prstGeom prst="line">
+            <a:avLst/>
+          </a:prstGeom>
+          <a:ln w="19050">
+            <a:solidFill>
+              <a:schemeClr val="tx1">
+                <a:lumMod val="85000"/>
+                <a:lumOff val="15000"/>
+              </a:schemeClr>
+            </a:solidFill>
+          </a:ln>
+        </p:spPr>
+        <p:style>
+          <a:lnRef idx="1">
+            <a:schemeClr val="accent1"/>
+          </a:lnRef>
+          <a:fillRef idx="0">
+            <a:schemeClr val="accent1"/>
+          </a:fillRef>
+          <a:effectRef idx="0">
+            <a:schemeClr val="accent1"/>
+          </a:effectRef>
+          <a:fontRef idx="minor">
+            <a:schemeClr val="tx1"/>
+          </a:fontRef>
+        </p:style>
+      </p:cxnSp>
+      <p:sp>
+        <p:nvSpPr>
+          <p:cNvPr id="3" name="Content Placeholder 2">
+            <a:extLst>
+              <a:ext uri="{FF2B5EF4-FFF2-40B4-BE49-F238E27FC236}">
+                <a16:creationId xmlns:a16="http://schemas.microsoft.com/office/drawing/2014/main" id="{264C6B47-F36C-4D16-BF85-3FF28D93429A}"/>
+              </a:ext>
+            </a:extLst>
+          </p:cNvPr>
+          <p:cNvSpPr>
+            <a:spLocks noGrp="1"/>
+          </p:cNvSpPr>
+          <p:nvPr>
+            <p:ph idx="1"/>
+          </p:nvPr>
+        </p:nvSpPr>
+        <p:spPr>
+          <a:xfrm>
+            <a:off x="4976031" y="963877"/>
+            <a:ext cx="6377769" cy="4930246"/>
+          </a:xfrm>
+        </p:spPr>
+        <p:txBody>
+          <a:bodyPr anchor="ctr">
+            <a:normAutofit/>
+          </a:bodyPr>
+          <a:lstStyle/>
+          <a:p>
+            <a:r>
+              <a:rPr lang="en-US" sz="2400" dirty="0"/>
+              <a:t>DAaaS in Azure</a:t>
+            </a:r>
+          </a:p>
+        </p:txBody>
+      </p:sp>
+    </p:spTree>
+    <p:extLst>
+      <p:ext uri="{BB962C8B-B14F-4D97-AF65-F5344CB8AC3E}">
+        <p14:creationId xmlns:p14="http://schemas.microsoft.com/office/powerpoint/2010/main" val="2290940064"/>
+      </p:ext>
+    </p:extLst>
+  </p:cSld>
+  <p:clrMapOvr>
+    <a:masterClrMapping/>
+  </p:clrMapOvr>
+</p:sld>
+</file>
+
+<file path=ppt/slides/slide17.xml><?xml version="1.0" encoding="utf-8"?>
+<p:sld xmlns:a="http://schemas.openxmlformats.org/drawingml/2006/main" xmlns:r="http://schemas.openxmlformats.org/officeDocument/2006/relationships" xmlns:p="http://schemas.openxmlformats.org/presentationml/2006/main">
+  <p:cSld>
+    <p:spTree>
+      <p:nvGrpSpPr>
+        <p:cNvPr id="1" name=""/>
+        <p:cNvGrpSpPr/>
+        <p:nvPr/>
+      </p:nvGrpSpPr>
+      <p:grpSpPr>
+        <a:xfrm>
+          <a:off x="0" y="0"/>
+          <a:ext cx="0" cy="0"/>
+          <a:chOff x="0" y="0"/>
+          <a:chExt cx="0" cy="0"/>
+        </a:xfrm>
+      </p:grpSpPr>
+      <p:sp>
+        <p:nvSpPr>
+          <p:cNvPr id="2" name="Title 1">
+            <a:extLst>
+              <a:ext uri="{FF2B5EF4-FFF2-40B4-BE49-F238E27FC236}">
+                <a16:creationId xmlns:a16="http://schemas.microsoft.com/office/drawing/2014/main" id="{844D8E00-9BB7-4E59-9884-C8A33FA83380}"/>
+              </a:ext>
+            </a:extLst>
+          </p:cNvPr>
+          <p:cNvSpPr>
+            <a:spLocks noGrp="1"/>
+          </p:cNvSpPr>
+          <p:nvPr>
+            <p:ph type="title"/>
+          </p:nvPr>
+        </p:nvSpPr>
+        <p:spPr/>
+        <p:txBody>
+          <a:bodyPr/>
+          <a:lstStyle/>
+          <a:p>
+            <a:r>
+              <a:rPr lang="en-US" dirty="0">
+                <a:latin typeface="Segoe UI" panose="020B0502040204020203" pitchFamily="34" charset="0"/>
+                <a:cs typeface="Segoe UI" panose="020B0502040204020203" pitchFamily="34" charset="0"/>
+              </a:rPr>
+              <a:t>Summary</a:t>
+            </a:r>
+          </a:p>
+        </p:txBody>
+      </p:sp>
+      <p:sp>
+        <p:nvSpPr>
+          <p:cNvPr id="3" name="Content Placeholder 2">
+            <a:extLst>
+              <a:ext uri="{FF2B5EF4-FFF2-40B4-BE49-F238E27FC236}">
+                <a16:creationId xmlns:a16="http://schemas.microsoft.com/office/drawing/2014/main" id="{738D52AB-B7BF-4A2F-BE07-C078D02DB673}"/>
+              </a:ext>
+            </a:extLst>
+          </p:cNvPr>
+          <p:cNvSpPr>
+            <a:spLocks noGrp="1"/>
+          </p:cNvSpPr>
+          <p:nvPr>
+            <p:ph idx="1"/>
+          </p:nvPr>
+        </p:nvSpPr>
+        <p:spPr/>
+        <p:txBody>
+          <a:bodyPr/>
+          <a:lstStyle/>
+          <a:p>
+            <a:r>
+              <a:rPr lang="en-US" dirty="0">
+                <a:latin typeface="Segoe UI" panose="020B0502040204020203" pitchFamily="34" charset="0"/>
+                <a:cs typeface="Segoe UI" panose="020B0502040204020203" pitchFamily="34" charset="0"/>
+              </a:rPr>
+              <a:t>Build modular automation</a:t>
+            </a:r>
+          </a:p>
+          <a:p>
+            <a:r>
+              <a:rPr lang="en-US" dirty="0">
+                <a:latin typeface="Segoe UI" panose="020B0502040204020203" pitchFamily="34" charset="0"/>
+                <a:cs typeface="Segoe UI" panose="020B0502040204020203" pitchFamily="34" charset="0"/>
+              </a:rPr>
+              <a:t>Ensure API design follows best practices</a:t>
+            </a:r>
+          </a:p>
+          <a:p>
+            <a:r>
+              <a:rPr lang="en-US" dirty="0">
+                <a:latin typeface="Segoe UI" panose="020B0502040204020203" pitchFamily="34" charset="0"/>
+                <a:cs typeface="Segoe UI" panose="020B0502040204020203" pitchFamily="34" charset="0"/>
+              </a:rPr>
+              <a:t>Choose the right module </a:t>
+            </a:r>
+            <a:r>
+              <a:rPr lang="en-US">
+                <a:latin typeface="Segoe UI" panose="020B0502040204020203" pitchFamily="34" charset="0"/>
+                <a:cs typeface="Segoe UI" panose="020B0502040204020203" pitchFamily="34" charset="0"/>
+              </a:rPr>
+              <a:t>to implement API</a:t>
+            </a:r>
+          </a:p>
+          <a:p>
+            <a:endParaRPr lang="en-US" dirty="0">
               <a:latin typeface="Segoe UI" panose="020B0502040204020203" pitchFamily="34" charset="0"/>
               <a:cs typeface="Segoe UI" panose="020B0502040204020203" pitchFamily="34" charset="0"/>
             </a:endParaRPr>
@@ -4626,7 +6412,7 @@
 </p:sld>
 </file>
 
-<file path=ppt/slides/slide14.xml><?xml version="1.0" encoding="utf-8"?>
+<file path=ppt/slides/slide18.xml><?xml version="1.0" encoding="utf-8"?>
 <p:sld xmlns:a="http://schemas.openxmlformats.org/drawingml/2006/main" xmlns:r="http://schemas.openxmlformats.org/officeDocument/2006/relationships" xmlns:p="http://schemas.openxmlformats.org/presentationml/2006/main">
   <p:cSld>
     <p:spTree>
@@ -6108,6 +7894,405 @@
 <file path=ppt/slides/slide3.xml><?xml version="1.0" encoding="utf-8"?>
 <p:sld xmlns:a="http://schemas.openxmlformats.org/drawingml/2006/main" xmlns:r="http://schemas.openxmlformats.org/officeDocument/2006/relationships" xmlns:p="http://schemas.openxmlformats.org/presentationml/2006/main">
   <p:cSld>
+    <p:spTree>
+      <p:nvGrpSpPr>
+        <p:cNvPr id="1" name=""/>
+        <p:cNvGrpSpPr/>
+        <p:nvPr/>
+      </p:nvGrpSpPr>
+      <p:grpSpPr>
+        <a:xfrm>
+          <a:off x="0" y="0"/>
+          <a:ext cx="0" cy="0"/>
+          <a:chOff x="0" y="0"/>
+          <a:chExt cx="0" cy="0"/>
+        </a:xfrm>
+      </p:grpSpPr>
+      <p:pic>
+        <p:nvPicPr>
+          <p:cNvPr id="5" name="Picture 4">
+            <a:extLst>
+              <a:ext uri="{FF2B5EF4-FFF2-40B4-BE49-F238E27FC236}">
+                <a16:creationId xmlns:a16="http://schemas.microsoft.com/office/drawing/2014/main" id="{8F7DB3B7-8311-414D-89E1-50A4581C8102}"/>
+              </a:ext>
+            </a:extLst>
+          </p:cNvPr>
+          <p:cNvPicPr>
+            <a:picLocks noChangeAspect="1"/>
+          </p:cNvPicPr>
+          <p:nvPr/>
+        </p:nvPicPr>
+        <p:blipFill>
+          <a:blip r:embed="rId2">
+            <a:extLst>
+              <a:ext uri="{28A0092B-C50C-407E-A947-70E740481C1C}">
+                <a14:useLocalDpi xmlns:a14="http://schemas.microsoft.com/office/drawing/2010/main" val="0"/>
+              </a:ext>
+            </a:extLst>
+          </a:blip>
+          <a:stretch>
+            <a:fillRect/>
+          </a:stretch>
+        </p:blipFill>
+        <p:spPr>
+          <a:xfrm>
+            <a:off x="450956" y="1396812"/>
+            <a:ext cx="5118807" cy="4903087"/>
+          </a:xfrm>
+          <a:prstGeom prst="rect">
+            <a:avLst/>
+          </a:prstGeom>
+        </p:spPr>
+      </p:pic>
+      <p:sp>
+        <p:nvSpPr>
+          <p:cNvPr id="6" name="TextBox 5">
+            <a:extLst>
+              <a:ext uri="{FF2B5EF4-FFF2-40B4-BE49-F238E27FC236}">
+                <a16:creationId xmlns:a16="http://schemas.microsoft.com/office/drawing/2014/main" id="{EFA19261-8621-47DE-8A49-00FA11306745}"/>
+              </a:ext>
+            </a:extLst>
+          </p:cNvPr>
+          <p:cNvSpPr txBox="1"/>
+          <p:nvPr/>
+        </p:nvSpPr>
+        <p:spPr>
+          <a:xfrm>
+            <a:off x="5794287" y="613589"/>
+            <a:ext cx="5567812" cy="3570208"/>
+          </a:xfrm>
+          <a:prstGeom prst="rect">
+            <a:avLst/>
+          </a:prstGeom>
+          <a:noFill/>
+        </p:spPr>
+        <p:txBody>
+          <a:bodyPr wrap="square" rtlCol="0">
+            <a:spAutoFit/>
+          </a:bodyPr>
+          <a:lstStyle/>
+          <a:p>
+            <a:r>
+              <a:rPr lang="en-US" sz="2800" b="1">
+                <a:latin typeface="Segoe UI" panose="020B0502040204020203" pitchFamily="34" charset="0"/>
+                <a:cs typeface="Segoe UI" panose="020B0502040204020203" pitchFamily="34" charset="0"/>
+              </a:rPr>
+              <a:t>PowerShell </a:t>
+            </a:r>
+            <a:r>
+              <a:rPr lang="en-US" sz="2800" b="1" dirty="0">
+                <a:latin typeface="Segoe UI" panose="020B0502040204020203" pitchFamily="34" charset="0"/>
+                <a:cs typeface="Segoe UI" panose="020B0502040204020203" pitchFamily="34" charset="0"/>
+              </a:rPr>
+              <a:t>quick starts, tutorials, API reference, and code examples!</a:t>
+            </a:r>
+          </a:p>
+          <a:p>
+            <a:endParaRPr lang="en-US" sz="3200" dirty="0">
+              <a:latin typeface="Segoe UI" panose="020B0502040204020203" pitchFamily="34" charset="0"/>
+              <a:cs typeface="Segoe UI" panose="020B0502040204020203" pitchFamily="34" charset="0"/>
+            </a:endParaRPr>
+          </a:p>
+          <a:p>
+            <a:r>
+              <a:rPr lang="en-US" sz="2800" dirty="0">
+                <a:latin typeface="Segoe UI" panose="020B0502040204020203" pitchFamily="34" charset="0"/>
+                <a:cs typeface="Segoe UI" panose="020B0502040204020203" pitchFamily="34" charset="0"/>
+              </a:rPr>
+              <a:t>Advance your career with hands-on training at </a:t>
+            </a:r>
+            <a:r>
+              <a:rPr lang="en-US" sz="2800" b="1" dirty="0" err="1">
+                <a:latin typeface="Segoe UI" panose="020B0502040204020203" pitchFamily="34" charset="0"/>
+                <a:cs typeface="Segoe UI" panose="020B0502040204020203" pitchFamily="34" charset="0"/>
+              </a:rPr>
+              <a:t>docs.microsoft</a:t>
+            </a:r>
+            <a:endParaRPr lang="en-US" sz="2800" b="1" dirty="0">
+              <a:latin typeface="Segoe UI" panose="020B0502040204020203" pitchFamily="34" charset="0"/>
+              <a:cs typeface="Segoe UI" panose="020B0502040204020203" pitchFamily="34" charset="0"/>
+            </a:endParaRPr>
+          </a:p>
+          <a:p>
+            <a:pPr algn="ctr"/>
+            <a:endParaRPr lang="en-US" dirty="0">
+              <a:latin typeface="Segoe UI" panose="020B0502040204020203" pitchFamily="34" charset="0"/>
+              <a:cs typeface="Segoe UI" panose="020B0502040204020203" pitchFamily="34" charset="0"/>
+            </a:endParaRPr>
+          </a:p>
+          <a:p>
+            <a:pPr algn="ctr"/>
+            <a:endParaRPr lang="en-US" dirty="0">
+              <a:latin typeface="Segoe UI" panose="020B0502040204020203" pitchFamily="34" charset="0"/>
+              <a:cs typeface="Segoe UI" panose="020B0502040204020203" pitchFamily="34" charset="0"/>
+            </a:endParaRPr>
+          </a:p>
+          <a:p>
+            <a:pPr algn="ctr"/>
+            <a:r>
+              <a:rPr lang="en-US" dirty="0">
+                <a:latin typeface="Segoe UI" panose="020B0502040204020203" pitchFamily="34" charset="0"/>
+                <a:cs typeface="Segoe UI" panose="020B0502040204020203" pitchFamily="34" charset="0"/>
+              </a:rPr>
+              <a:t>Check it out here:</a:t>
+            </a:r>
+          </a:p>
+        </p:txBody>
+      </p:sp>
+      <p:pic>
+        <p:nvPicPr>
+          <p:cNvPr id="7" name="Picture 6">
+            <a:extLst>
+              <a:ext uri="{FF2B5EF4-FFF2-40B4-BE49-F238E27FC236}">
+                <a16:creationId xmlns:a16="http://schemas.microsoft.com/office/drawing/2014/main" id="{E4603671-90EA-4DA5-B5ED-9820CEE4F260}"/>
+              </a:ext>
+            </a:extLst>
+          </p:cNvPr>
+          <p:cNvPicPr>
+            <a:picLocks noChangeAspect="1"/>
+          </p:cNvPicPr>
+          <p:nvPr/>
+        </p:nvPicPr>
+        <p:blipFill>
+          <a:blip r:embed="rId3"/>
+          <a:stretch>
+            <a:fillRect/>
+          </a:stretch>
+        </p:blipFill>
+        <p:spPr>
+          <a:xfrm>
+            <a:off x="7543234" y="4183797"/>
+            <a:ext cx="2247900" cy="2228850"/>
+          </a:xfrm>
+          <a:prstGeom prst="rect">
+            <a:avLst/>
+          </a:prstGeom>
+        </p:spPr>
+      </p:pic>
+      <p:pic>
+        <p:nvPicPr>
+          <p:cNvPr id="9" name="Picture 8">
+            <a:extLst>
+              <a:ext uri="{FF2B5EF4-FFF2-40B4-BE49-F238E27FC236}">
+                <a16:creationId xmlns:a16="http://schemas.microsoft.com/office/drawing/2014/main" id="{CF73023D-F7DD-4DDC-962D-003E825692ED}"/>
+              </a:ext>
+            </a:extLst>
+          </p:cNvPr>
+          <p:cNvPicPr>
+            <a:picLocks noChangeAspect="1"/>
+          </p:cNvPicPr>
+          <p:nvPr/>
+        </p:nvPicPr>
+        <p:blipFill>
+          <a:blip r:embed="rId4">
+            <a:extLst>
+              <a:ext uri="{28A0092B-C50C-407E-A947-70E740481C1C}">
+                <a14:useLocalDpi xmlns:a14="http://schemas.microsoft.com/office/drawing/2010/main" val="0"/>
+              </a:ext>
+            </a:extLst>
+          </a:blip>
+          <a:stretch>
+            <a:fillRect/>
+          </a:stretch>
+        </p:blipFill>
+        <p:spPr>
+          <a:xfrm>
+            <a:off x="84373" y="47462"/>
+            <a:ext cx="2278582" cy="1021277"/>
+          </a:xfrm>
+          <a:prstGeom prst="rect">
+            <a:avLst/>
+          </a:prstGeom>
+        </p:spPr>
+      </p:pic>
+    </p:spTree>
+    <p:extLst>
+      <p:ext uri="{BB962C8B-B14F-4D97-AF65-F5344CB8AC3E}">
+        <p14:creationId xmlns:p14="http://schemas.microsoft.com/office/powerpoint/2010/main" val="2672449254"/>
+      </p:ext>
+    </p:extLst>
+  </p:cSld>
+  <p:clrMapOvr>
+    <a:masterClrMapping/>
+  </p:clrMapOvr>
+</p:sld>
+</file>
+
+<file path=ppt/slides/slide4.xml><?xml version="1.0" encoding="utf-8"?>
+<p:sld xmlns:a="http://schemas.openxmlformats.org/drawingml/2006/main" xmlns:r="http://schemas.openxmlformats.org/officeDocument/2006/relationships" xmlns:p="http://schemas.openxmlformats.org/presentationml/2006/main">
+  <p:cSld>
+    <p:spTree>
+      <p:nvGrpSpPr>
+        <p:cNvPr id="1" name=""/>
+        <p:cNvGrpSpPr/>
+        <p:nvPr/>
+      </p:nvGrpSpPr>
+      <p:grpSpPr>
+        <a:xfrm>
+          <a:off x="0" y="0"/>
+          <a:ext cx="0" cy="0"/>
+          <a:chOff x="0" y="0"/>
+          <a:chExt cx="0" cy="0"/>
+        </a:xfrm>
+      </p:grpSpPr>
+      <p:pic>
+        <p:nvPicPr>
+          <p:cNvPr id="9" name="Picture 8">
+            <a:extLst>
+              <a:ext uri="{FF2B5EF4-FFF2-40B4-BE49-F238E27FC236}">
+                <a16:creationId xmlns:a16="http://schemas.microsoft.com/office/drawing/2014/main" id="{CF73023D-F7DD-4DDC-962D-003E825692ED}"/>
+              </a:ext>
+            </a:extLst>
+          </p:cNvPr>
+          <p:cNvPicPr>
+            <a:picLocks noChangeAspect="1"/>
+          </p:cNvPicPr>
+          <p:nvPr/>
+        </p:nvPicPr>
+        <p:blipFill>
+          <a:blip r:embed="rId2">
+            <a:extLst>
+              <a:ext uri="{28A0092B-C50C-407E-A947-70E740481C1C}">
+                <a14:useLocalDpi xmlns:a14="http://schemas.microsoft.com/office/drawing/2010/main" val="0"/>
+              </a:ext>
+            </a:extLst>
+          </a:blip>
+          <a:stretch>
+            <a:fillRect/>
+          </a:stretch>
+        </p:blipFill>
+        <p:spPr>
+          <a:xfrm>
+            <a:off x="84373" y="47462"/>
+            <a:ext cx="2278582" cy="1021277"/>
+          </a:xfrm>
+          <a:prstGeom prst="rect">
+            <a:avLst/>
+          </a:prstGeom>
+        </p:spPr>
+      </p:pic>
+      <p:pic>
+        <p:nvPicPr>
+          <p:cNvPr id="2" name="Picture 1">
+            <a:extLst>
+              <a:ext uri="{FF2B5EF4-FFF2-40B4-BE49-F238E27FC236}">
+                <a16:creationId xmlns:a16="http://schemas.microsoft.com/office/drawing/2014/main" id="{43F752CB-1F74-49AD-8FD7-9790CFAF0E9F}"/>
+              </a:ext>
+            </a:extLst>
+          </p:cNvPr>
+          <p:cNvPicPr>
+            <a:picLocks noChangeAspect="1"/>
+          </p:cNvPicPr>
+          <p:nvPr/>
+        </p:nvPicPr>
+        <p:blipFill>
+          <a:blip r:embed="rId3"/>
+          <a:stretch>
+            <a:fillRect/>
+          </a:stretch>
+        </p:blipFill>
+        <p:spPr>
+          <a:xfrm>
+            <a:off x="2024709" y="936272"/>
+            <a:ext cx="8142581" cy="2648899"/>
+          </a:xfrm>
+          <a:prstGeom prst="rect">
+            <a:avLst/>
+          </a:prstGeom>
+        </p:spPr>
+      </p:pic>
+      <p:sp>
+        <p:nvSpPr>
+          <p:cNvPr id="3" name="Rectangle 2">
+            <a:extLst>
+              <a:ext uri="{FF2B5EF4-FFF2-40B4-BE49-F238E27FC236}">
+                <a16:creationId xmlns:a16="http://schemas.microsoft.com/office/drawing/2014/main" id="{8F7F42EC-61E9-485C-AC04-79FADC614E6B}"/>
+              </a:ext>
+            </a:extLst>
+          </p:cNvPr>
+          <p:cNvSpPr/>
+          <p:nvPr/>
+        </p:nvSpPr>
+        <p:spPr>
+          <a:xfrm>
+            <a:off x="1898208" y="4078236"/>
+            <a:ext cx="8395581" cy="1569660"/>
+          </a:xfrm>
+          <a:prstGeom prst="rect">
+            <a:avLst/>
+          </a:prstGeom>
+        </p:spPr>
+        <p:txBody>
+          <a:bodyPr wrap="square">
+            <a:spAutoFit/>
+          </a:bodyPr>
+          <a:lstStyle/>
+          <a:p>
+            <a:pPr algn="ctr"/>
+            <a:r>
+              <a:rPr lang="en-US" sz="2400" b="1" dirty="0">
+                <a:latin typeface="Segoe UI" panose="020B0502040204020203" pitchFamily="34" charset="0"/>
+                <a:cs typeface="Segoe UI" panose="020B0502040204020203" pitchFamily="34" charset="0"/>
+              </a:rPr>
+              <a:t>We really do! </a:t>
+            </a:r>
+          </a:p>
+          <a:p>
+            <a:pPr algn="ctr"/>
+            <a:endParaRPr lang="en-US" sz="2400" b="1" dirty="0">
+              <a:latin typeface="Segoe UI" panose="020B0502040204020203" pitchFamily="34" charset="0"/>
+              <a:cs typeface="Segoe UI" panose="020B0502040204020203" pitchFamily="34" charset="0"/>
+            </a:endParaRPr>
+          </a:p>
+          <a:p>
+            <a:pPr algn="ctr"/>
+            <a:r>
+              <a:rPr lang="en-US" sz="2400" dirty="0">
+                <a:latin typeface="Segoe UI" panose="020B0502040204020203" pitchFamily="34" charset="0"/>
+                <a:cs typeface="Segoe UI" panose="020B0502040204020203" pitchFamily="34" charset="0"/>
+              </a:rPr>
+              <a:t>Show some love and join the conversation by tweeting</a:t>
+            </a:r>
+          </a:p>
+          <a:p>
+            <a:pPr algn="ctr"/>
+            <a:r>
+              <a:rPr lang="en-US" sz="2400" b="1" dirty="0">
+                <a:latin typeface="Segoe UI" panose="020B0502040204020203" pitchFamily="34" charset="0"/>
+                <a:cs typeface="Segoe UI" panose="020B0502040204020203" pitchFamily="34" charset="0"/>
+              </a:rPr>
+              <a:t>@</a:t>
+            </a:r>
+            <a:r>
+              <a:rPr lang="en-US" sz="2400" b="1" dirty="0" err="1">
+                <a:latin typeface="Segoe UI" panose="020B0502040204020203" pitchFamily="34" charset="0"/>
+                <a:cs typeface="Segoe UI" panose="020B0502040204020203" pitchFamily="34" charset="0"/>
+              </a:rPr>
+              <a:t>MicrosoftTech</a:t>
+            </a:r>
+            <a:endParaRPr lang="en-US" sz="2400" b="1" dirty="0">
+              <a:latin typeface="Segoe UI" panose="020B0502040204020203" pitchFamily="34" charset="0"/>
+              <a:cs typeface="Segoe UI" panose="020B0502040204020203" pitchFamily="34" charset="0"/>
+            </a:endParaRPr>
+          </a:p>
+        </p:txBody>
+      </p:sp>
+    </p:spTree>
+    <p:extLst>
+      <p:ext uri="{BB962C8B-B14F-4D97-AF65-F5344CB8AC3E}">
+        <p14:creationId xmlns:p14="http://schemas.microsoft.com/office/powerpoint/2010/main" val="1237988709"/>
+      </p:ext>
+    </p:extLst>
+  </p:cSld>
+  <p:clrMapOvr>
+    <a:masterClrMapping/>
+  </p:clrMapOvr>
+</p:sld>
+</file>
+
+<file path=ppt/slides/slide5.xml><?xml version="1.0" encoding="utf-8"?>
+<p:sld xmlns:a="http://schemas.openxmlformats.org/drawingml/2006/main" xmlns:r="http://schemas.openxmlformats.org/officeDocument/2006/relationships" xmlns:p="http://schemas.openxmlformats.org/presentationml/2006/main">
+  <p:cSld>
     <p:bg>
       <p:bgPr>
         <a:solidFill>
@@ -6811,7 +8996,7 @@
 </p:sld>
 </file>
 
-<file path=ppt/slides/slide4.xml><?xml version="1.0" encoding="utf-8"?>
+<file path=ppt/slides/slide6.xml><?xml version="1.0" encoding="utf-8"?>
 <p:sld xmlns:a="http://schemas.openxmlformats.org/drawingml/2006/main" xmlns:r="http://schemas.openxmlformats.org/officeDocument/2006/relationships" xmlns:p="http://schemas.openxmlformats.org/presentationml/2006/main">
   <p:cSld>
     <p:spTree>
@@ -7302,7 +9487,7 @@
 </p:sld>
 </file>
 
-<file path=ppt/slides/slide5.xml><?xml version="1.0" encoding="utf-8"?>
+<file path=ppt/slides/slide7.xml><?xml version="1.0" encoding="utf-8"?>
 <p:sld xmlns:a="http://schemas.openxmlformats.org/drawingml/2006/main" xmlns:r="http://schemas.openxmlformats.org/officeDocument/2006/relationships" xmlns:p="http://schemas.openxmlformats.org/presentationml/2006/main">
   <p:cSld>
     <p:spTree>
@@ -7530,8 +9715,27 @@
                 <a:latin typeface="Segoe UI" panose="020B0502040204020203" pitchFamily="34" charset="0"/>
                 <a:cs typeface="Segoe UI" panose="020B0502040204020203" pitchFamily="34" charset="0"/>
               </a:rPr>
-              <a:t>) </a:t>
-            </a:r>
+              <a:t>) – Implements </a:t>
+            </a:r>
+            <a:r>
+              <a:rPr lang="en-IN" u="sng" dirty="0">
+                <a:latin typeface="Segoe UI" panose="020B0502040204020203" pitchFamily="34" charset="0"/>
+                <a:cs typeface="Segoe UI" panose="020B0502040204020203" pitchFamily="34" charset="0"/>
+                <a:hlinkClick r:id="rId5"/>
+              </a:rPr>
+              <a:t>Health Endpoint Monitoring Pattern</a:t>
+            </a:r>
+            <a:r>
+              <a:rPr lang="en-IN" u="sng" dirty="0">
+                <a:latin typeface="Segoe UI" panose="020B0502040204020203" pitchFamily="34" charset="0"/>
+                <a:cs typeface="Segoe UI" panose="020B0502040204020203" pitchFamily="34" charset="0"/>
+              </a:rPr>
+              <a:t>.</a:t>
+            </a:r>
+            <a:endParaRPr lang="en-US" dirty="0">
+              <a:latin typeface="Segoe UI" panose="020B0502040204020203" pitchFamily="34" charset="0"/>
+              <a:cs typeface="Segoe UI" panose="020B0502040204020203" pitchFamily="34" charset="0"/>
+            </a:endParaRPr>
           </a:p>
         </p:txBody>
       </p:sp>
@@ -7539,545 +9743,6 @@
     <p:extLst>
       <p:ext uri="{BB962C8B-B14F-4D97-AF65-F5344CB8AC3E}">
         <p14:creationId xmlns:p14="http://schemas.microsoft.com/office/powerpoint/2010/main" val="3528598408"/>
-      </p:ext>
-    </p:extLst>
-  </p:cSld>
-  <p:clrMapOvr>
-    <a:masterClrMapping/>
-  </p:clrMapOvr>
-</p:sld>
-</file>
-
-<file path=ppt/slides/slide6.xml><?xml version="1.0" encoding="utf-8"?>
-<p:sld xmlns:a="http://schemas.openxmlformats.org/drawingml/2006/main" xmlns:r="http://schemas.openxmlformats.org/officeDocument/2006/relationships" xmlns:p="http://schemas.openxmlformats.org/presentationml/2006/main">
-  <p:cSld>
-    <p:bg>
-      <p:bgPr>
-        <a:solidFill>
-          <a:schemeClr val="bg1"/>
-        </a:solidFill>
-        <a:effectLst/>
-      </p:bgPr>
-    </p:bg>
-    <p:spTree>
-      <p:nvGrpSpPr>
-        <p:cNvPr id="1" name=""/>
-        <p:cNvGrpSpPr/>
-        <p:nvPr/>
-      </p:nvGrpSpPr>
-      <p:grpSpPr>
-        <a:xfrm>
-          <a:off x="0" y="0"/>
-          <a:ext cx="0" cy="0"/>
-          <a:chOff x="0" y="0"/>
-          <a:chExt cx="0" cy="0"/>
-        </a:xfrm>
-      </p:grpSpPr>
-      <p:sp>
-        <p:nvSpPr>
-          <p:cNvPr id="8" name="Rectangle 7">
-            <a:extLst>
-              <a:ext uri="{FF2B5EF4-FFF2-40B4-BE49-F238E27FC236}">
-                <a16:creationId xmlns:a16="http://schemas.microsoft.com/office/drawing/2014/main" id="{8D70B121-56F4-4848-B38B-182089D909FA}"/>
-              </a:ext>
-              <a:ext uri="{C183D7F6-B498-43B3-948B-1728B52AA6E4}">
-                <adec:decorative xmlns:adec="http://schemas.microsoft.com/office/drawing/2017/decorative" val="1"/>
-              </a:ext>
-            </a:extLst>
-          </p:cNvPr>
-          <p:cNvSpPr>
-            <a:spLocks noGrp="1" noRot="1" noChangeAspect="1" noMove="1" noResize="1" noEditPoints="1" noAdjustHandles="1" noChangeArrowheads="1" noChangeShapeType="1" noTextEdit="1"/>
-          </p:cNvSpPr>
-          <p:nvPr>
-            <p:extLst>
-              <p:ext uri="{386F3935-93C4-4BCD-93E2-E3B085C9AB24}">
-                <p16:designElem xmlns:p16="http://schemas.microsoft.com/office/powerpoint/2015/main" val="1"/>
-              </p:ext>
-            </p:extLst>
-          </p:nvPr>
-        </p:nvSpPr>
-        <p:spPr bwMode="ltGray">
-          <a:xfrm>
-            <a:off x="321564" y="320040"/>
-            <a:ext cx="11548872" cy="6217920"/>
-          </a:xfrm>
-          <a:prstGeom prst="rect">
-            <a:avLst/>
-          </a:prstGeom>
-          <a:solidFill>
-            <a:schemeClr val="tx1">
-              <a:alpha val="8000"/>
-            </a:schemeClr>
-          </a:solidFill>
-          <a:ln w="127000" cap="sq" cmpd="thinThick">
-            <a:noFill/>
-          </a:ln>
-        </p:spPr>
-        <p:style>
-          <a:lnRef idx="2">
-            <a:schemeClr val="accent1">
-              <a:shade val="50000"/>
-            </a:schemeClr>
-          </a:lnRef>
-          <a:fillRef idx="1">
-            <a:schemeClr val="accent1"/>
-          </a:fillRef>
-          <a:effectRef idx="0">
-            <a:schemeClr val="accent1"/>
-          </a:effectRef>
-          <a:fontRef idx="minor">
-            <a:schemeClr val="lt1"/>
-          </a:fontRef>
-        </p:style>
-        <p:txBody>
-          <a:bodyPr rtlCol="0" anchor="ctr"/>
-          <a:lstStyle/>
-          <a:p>
-            <a:pPr algn="ctr"/>
-            <a:endParaRPr lang="en-US"/>
-          </a:p>
-        </p:txBody>
-      </p:sp>
-      <p:sp>
-        <p:nvSpPr>
-          <p:cNvPr id="2" name="Title 1">
-            <a:extLst>
-              <a:ext uri="{FF2B5EF4-FFF2-40B4-BE49-F238E27FC236}">
-                <a16:creationId xmlns:a16="http://schemas.microsoft.com/office/drawing/2014/main" id="{D8E20241-AF03-4006-B946-0F6FF436B525}"/>
-              </a:ext>
-            </a:extLst>
-          </p:cNvPr>
-          <p:cNvSpPr>
-            <a:spLocks noGrp="1"/>
-          </p:cNvSpPr>
-          <p:nvPr>
-            <p:ph type="title"/>
-          </p:nvPr>
-        </p:nvSpPr>
-        <p:spPr>
-          <a:xfrm>
-            <a:off x="838200" y="963877"/>
-            <a:ext cx="3494362" cy="4930246"/>
-          </a:xfrm>
-        </p:spPr>
-        <p:txBody>
-          <a:bodyPr>
-            <a:normAutofit/>
-          </a:bodyPr>
-          <a:lstStyle/>
-          <a:p>
-            <a:pPr algn="ctr"/>
-            <a:r>
-              <a:rPr lang="en-US" dirty="0">
-                <a:solidFill>
-                  <a:schemeClr val="accent1"/>
-                </a:solidFill>
-              </a:rPr>
-              <a:t>Demo</a:t>
-            </a:r>
-          </a:p>
-        </p:txBody>
-      </p:sp>
-      <p:cxnSp>
-        <p:nvCxnSpPr>
-          <p:cNvPr id="10" name="Straight Connector 9">
-            <a:extLst>
-              <a:ext uri="{FF2B5EF4-FFF2-40B4-BE49-F238E27FC236}">
-                <a16:creationId xmlns:a16="http://schemas.microsoft.com/office/drawing/2014/main" id="{2D72A2C9-F3CA-4216-8BAD-FA4C970C3C4E}"/>
-              </a:ext>
-              <a:ext uri="{C183D7F6-B498-43B3-948B-1728B52AA6E4}">
-                <adec:decorative xmlns:adec="http://schemas.microsoft.com/office/drawing/2017/decorative" val="1"/>
-              </a:ext>
-            </a:extLst>
-          </p:cNvPr>
-          <p:cNvCxnSpPr>
-            <a:cxnSpLocks noGrp="1" noRot="1" noChangeAspect="1" noMove="1" noResize="1" noEditPoints="1" noAdjustHandles="1" noChangeArrowheads="1" noChangeShapeType="1"/>
-          </p:cNvCxnSpPr>
-          <p:nvPr>
-            <p:extLst>
-              <p:ext uri="{386F3935-93C4-4BCD-93E2-E3B085C9AB24}">
-                <p16:designElem xmlns:p16="http://schemas.microsoft.com/office/powerpoint/2015/main" val="1"/>
-              </p:ext>
-            </p:extLst>
-          </p:nvPr>
-        </p:nvCxnSpPr>
-        <p:spPr>
-          <a:xfrm>
-            <a:off x="4654296" y="2057400"/>
-            <a:ext cx="0" cy="2743200"/>
-          </a:xfrm>
-          <a:prstGeom prst="line">
-            <a:avLst/>
-          </a:prstGeom>
-          <a:ln w="19050">
-            <a:solidFill>
-              <a:schemeClr val="tx1">
-                <a:lumMod val="85000"/>
-                <a:lumOff val="15000"/>
-              </a:schemeClr>
-            </a:solidFill>
-          </a:ln>
-        </p:spPr>
-        <p:style>
-          <a:lnRef idx="1">
-            <a:schemeClr val="accent1"/>
-          </a:lnRef>
-          <a:fillRef idx="0">
-            <a:schemeClr val="accent1"/>
-          </a:fillRef>
-          <a:effectRef idx="0">
-            <a:schemeClr val="accent1"/>
-          </a:effectRef>
-          <a:fontRef idx="minor">
-            <a:schemeClr val="tx1"/>
-          </a:fontRef>
-        </p:style>
-      </p:cxnSp>
-      <p:sp>
-        <p:nvSpPr>
-          <p:cNvPr id="3" name="Content Placeholder 2">
-            <a:extLst>
-              <a:ext uri="{FF2B5EF4-FFF2-40B4-BE49-F238E27FC236}">
-                <a16:creationId xmlns:a16="http://schemas.microsoft.com/office/drawing/2014/main" id="{AD529ABE-DD03-44E7-A5EA-8598C48D8318}"/>
-              </a:ext>
-            </a:extLst>
-          </p:cNvPr>
-          <p:cNvSpPr>
-            <a:spLocks noGrp="1"/>
-          </p:cNvSpPr>
-          <p:nvPr>
-            <p:ph idx="1"/>
-          </p:nvPr>
-        </p:nvSpPr>
-        <p:spPr>
-          <a:xfrm>
-            <a:off x="4976031" y="963877"/>
-            <a:ext cx="6377769" cy="4930246"/>
-          </a:xfrm>
-        </p:spPr>
-        <p:txBody>
-          <a:bodyPr anchor="ctr">
-            <a:normAutofit/>
-          </a:bodyPr>
-          <a:lstStyle/>
-          <a:p>
-            <a:r>
-              <a:rPr lang="en-US" sz="2400" dirty="0"/>
-              <a:t>HTTPListener Basics</a:t>
-            </a:r>
-          </a:p>
-        </p:txBody>
-      </p:sp>
-      <p:pic>
-        <p:nvPicPr>
-          <p:cNvPr id="6" name="Picture 5">
-            <a:extLst>
-              <a:ext uri="{FF2B5EF4-FFF2-40B4-BE49-F238E27FC236}">
-                <a16:creationId xmlns:a16="http://schemas.microsoft.com/office/drawing/2014/main" id="{86608A4D-9E0A-4640-84F8-8B83BEB8D6A7}"/>
-              </a:ext>
-            </a:extLst>
-          </p:cNvPr>
-          <p:cNvPicPr>
-            <a:picLocks noChangeAspect="1"/>
-          </p:cNvPicPr>
-          <p:nvPr/>
-        </p:nvPicPr>
-        <p:blipFill>
-          <a:blip r:embed="rId2">
-            <a:clrChange>
-              <a:clrFrom>
-                <a:srgbClr val="FFFFFF"/>
-              </a:clrFrom>
-              <a:clrTo>
-                <a:srgbClr val="FFFFFF">
-                  <a:alpha val="0"/>
-                </a:srgbClr>
-              </a:clrTo>
-            </a:clrChange>
-            <a:duotone>
-              <a:schemeClr val="accent3">
-                <a:shade val="45000"/>
-                <a:satMod val="135000"/>
-              </a:schemeClr>
-              <a:prstClr val="white"/>
-            </a:duotone>
-            <a:extLst>
-              <a:ext uri="{28A0092B-C50C-407E-A947-70E740481C1C}">
-                <a14:useLocalDpi xmlns:a14="http://schemas.microsoft.com/office/drawing/2010/main" val="0"/>
-              </a:ext>
-            </a:extLst>
-          </a:blip>
-          <a:stretch>
-            <a:fillRect/>
-          </a:stretch>
-        </p:blipFill>
-        <p:spPr>
-          <a:xfrm>
-            <a:off x="1488168" y="3868710"/>
-            <a:ext cx="1153398" cy="1100857"/>
-          </a:xfrm>
-          <a:prstGeom prst="rect">
-            <a:avLst/>
-          </a:prstGeom>
-        </p:spPr>
-      </p:pic>
-      <p:sp>
-        <p:nvSpPr>
-          <p:cNvPr id="7" name="Rectangle 6">
-            <a:extLst>
-              <a:ext uri="{FF2B5EF4-FFF2-40B4-BE49-F238E27FC236}">
-                <a16:creationId xmlns:a16="http://schemas.microsoft.com/office/drawing/2014/main" id="{DE483543-0769-4E6A-9011-6F6895602C5A}"/>
-              </a:ext>
-            </a:extLst>
-          </p:cNvPr>
-          <p:cNvSpPr/>
-          <p:nvPr/>
-        </p:nvSpPr>
-        <p:spPr>
-          <a:xfrm>
-            <a:off x="2586005" y="4366696"/>
-            <a:ext cx="1888814" cy="307777"/>
-          </a:xfrm>
-          <a:prstGeom prst="rect">
-            <a:avLst/>
-          </a:prstGeom>
-          <a:noFill/>
-        </p:spPr>
-        <p:txBody>
-          <a:bodyPr wrap="square" lIns="91440" tIns="45720" rIns="91440" bIns="45720">
-            <a:spAutoFit/>
-          </a:bodyPr>
-          <a:lstStyle/>
-          <a:p>
-            <a:r>
-              <a:rPr lang="en-US" sz="1400" b="1" dirty="0">
-                <a:ln w="10160">
-                  <a:solidFill>
-                    <a:schemeClr val="tx2">
-                      <a:lumMod val="40000"/>
-                      <a:lumOff val="60000"/>
-                    </a:schemeClr>
-                  </a:solidFill>
-                  <a:prstDash val="solid"/>
-                </a:ln>
-                <a:solidFill>
-                  <a:schemeClr val="bg1">
-                    <a:lumMod val="75000"/>
-                  </a:schemeClr>
-                </a:solidFill>
-                <a:ea typeface="Kailasa" charset="0"/>
-                <a:cs typeface="Kailasa" charset="0"/>
-              </a:rPr>
-              <a:t>Singapore 2018</a:t>
-            </a:r>
-          </a:p>
-        </p:txBody>
-      </p:sp>
-      <p:sp>
-        <p:nvSpPr>
-          <p:cNvPr id="9" name="Rectangle 8">
-            <a:extLst>
-              <a:ext uri="{FF2B5EF4-FFF2-40B4-BE49-F238E27FC236}">
-                <a16:creationId xmlns:a16="http://schemas.microsoft.com/office/drawing/2014/main" id="{DF0963FF-9D51-4E66-8F8E-B55DE25E48FF}"/>
-              </a:ext>
-            </a:extLst>
-          </p:cNvPr>
-          <p:cNvSpPr/>
-          <p:nvPr/>
-        </p:nvSpPr>
-        <p:spPr>
-          <a:xfrm>
-            <a:off x="2474883" y="4091482"/>
-            <a:ext cx="1888814" cy="307777"/>
-          </a:xfrm>
-          <a:prstGeom prst="rect">
-            <a:avLst/>
-          </a:prstGeom>
-          <a:noFill/>
-        </p:spPr>
-        <p:txBody>
-          <a:bodyPr wrap="square" lIns="91440" tIns="45720" rIns="91440" bIns="45720">
-            <a:spAutoFit/>
-          </a:bodyPr>
-          <a:lstStyle/>
-          <a:p>
-            <a:r>
-              <a:rPr lang="en-US" sz="1400" b="1" dirty="0">
-                <a:ln w="10160">
-                  <a:solidFill>
-                    <a:schemeClr val="tx2">
-                      <a:lumMod val="40000"/>
-                      <a:lumOff val="60000"/>
-                    </a:schemeClr>
-                  </a:solidFill>
-                  <a:prstDash val="solid"/>
-                </a:ln>
-                <a:solidFill>
-                  <a:schemeClr val="bg1">
-                    <a:lumMod val="75000"/>
-                  </a:schemeClr>
-                </a:solidFill>
-                <a:ea typeface="Kailasa" charset="0"/>
-                <a:cs typeface="Kailasa" charset="0"/>
-              </a:rPr>
-              <a:t>PowerShell Conference </a:t>
-            </a:r>
-          </a:p>
-        </p:txBody>
-      </p:sp>
-    </p:spTree>
-    <p:extLst>
-      <p:ext uri="{BB962C8B-B14F-4D97-AF65-F5344CB8AC3E}">
-        <p14:creationId xmlns:p14="http://schemas.microsoft.com/office/powerpoint/2010/main" val="798013061"/>
-      </p:ext>
-    </p:extLst>
-  </p:cSld>
-  <p:clrMapOvr>
-    <a:masterClrMapping/>
-  </p:clrMapOvr>
-</p:sld>
-</file>
-
-<file path=ppt/slides/slide7.xml><?xml version="1.0" encoding="utf-8"?>
-<p:sld xmlns:a="http://schemas.openxmlformats.org/drawingml/2006/main" xmlns:r="http://schemas.openxmlformats.org/officeDocument/2006/relationships" xmlns:p="http://schemas.openxmlformats.org/presentationml/2006/main">
-  <p:cSld>
-    <p:spTree>
-      <p:nvGrpSpPr>
-        <p:cNvPr id="1" name=""/>
-        <p:cNvGrpSpPr/>
-        <p:nvPr/>
-      </p:nvGrpSpPr>
-      <p:grpSpPr>
-        <a:xfrm>
-          <a:off x="0" y="0"/>
-          <a:ext cx="0" cy="0"/>
-          <a:chOff x="0" y="0"/>
-          <a:chExt cx="0" cy="0"/>
-        </a:xfrm>
-      </p:grpSpPr>
-      <p:pic>
-        <p:nvPicPr>
-          <p:cNvPr id="4" name="Picture 3">
-            <a:extLst>
-              <a:ext uri="{FF2B5EF4-FFF2-40B4-BE49-F238E27FC236}">
-                <a16:creationId xmlns:a16="http://schemas.microsoft.com/office/drawing/2014/main" id="{6B60E60F-1CE6-43FC-A1F2-C7A61D97A232}"/>
-              </a:ext>
-            </a:extLst>
-          </p:cNvPr>
-          <p:cNvPicPr>
-            <a:picLocks noChangeAspect="1"/>
-          </p:cNvPicPr>
-          <p:nvPr/>
-        </p:nvPicPr>
-        <p:blipFill rotWithShape="1">
-          <a:blip r:embed="rId2">
-            <a:clrChange>
-              <a:clrFrom>
-                <a:srgbClr val="FFFFFF"/>
-              </a:clrFrom>
-              <a:clrTo>
-                <a:srgbClr val="FFFFFF">
-                  <a:alpha val="0"/>
-                </a:srgbClr>
-              </a:clrTo>
-            </a:clrChange>
-            <a:duotone>
-              <a:schemeClr val="bg2">
-                <a:shade val="45000"/>
-                <a:satMod val="135000"/>
-              </a:schemeClr>
-              <a:prstClr val="white"/>
-            </a:duotone>
-            <a:alphaModFix amt="51000"/>
-            <a:extLst>
-              <a:ext uri="{28A0092B-C50C-407E-A947-70E740481C1C}">
-                <a14:useLocalDpi xmlns:a14="http://schemas.microsoft.com/office/drawing/2010/main" val="0"/>
-              </a:ext>
-            </a:extLst>
-          </a:blip>
-          <a:srcRect l="-920" t="2990" r="6703"/>
-          <a:stretch/>
-        </p:blipFill>
-        <p:spPr>
-          <a:xfrm>
-            <a:off x="7075257" y="14288"/>
-            <a:ext cx="5088167" cy="5088939"/>
-          </a:xfrm>
-          <a:prstGeom prst="rect">
-            <a:avLst/>
-          </a:prstGeom>
-        </p:spPr>
-      </p:pic>
-      <p:sp>
-        <p:nvSpPr>
-          <p:cNvPr id="2" name="Title 1">
-            <a:extLst>
-              <a:ext uri="{FF2B5EF4-FFF2-40B4-BE49-F238E27FC236}">
-                <a16:creationId xmlns:a16="http://schemas.microsoft.com/office/drawing/2014/main" id="{1E72F59E-5642-4CC8-8CDD-F5D8283CD296}"/>
-              </a:ext>
-            </a:extLst>
-          </p:cNvPr>
-          <p:cNvSpPr>
-            <a:spLocks noGrp="1"/>
-          </p:cNvSpPr>
-          <p:nvPr>
-            <p:ph type="title"/>
-          </p:nvPr>
-        </p:nvSpPr>
-        <p:spPr>
-          <a:xfrm>
-            <a:off x="838200" y="365125"/>
-            <a:ext cx="10515600" cy="1325563"/>
-          </a:xfrm>
-        </p:spPr>
-        <p:txBody>
-          <a:bodyPr/>
-          <a:lstStyle/>
-          <a:p>
-            <a:r>
-              <a:rPr lang="en-US" dirty="0">
-                <a:latin typeface="Segoe UI" panose="020B0502040204020203" pitchFamily="34" charset="0"/>
-                <a:cs typeface="Segoe UI" panose="020B0502040204020203" pitchFamily="34" charset="0"/>
-              </a:rPr>
-              <a:t>A bit more complex one …</a:t>
-            </a:r>
-          </a:p>
-        </p:txBody>
-      </p:sp>
-      <p:pic>
-        <p:nvPicPr>
-          <p:cNvPr id="7" name="Picture 6">
-            <a:extLst>
-              <a:ext uri="{FF2B5EF4-FFF2-40B4-BE49-F238E27FC236}">
-                <a16:creationId xmlns:a16="http://schemas.microsoft.com/office/drawing/2014/main" id="{76376580-1268-4FF1-A112-2A00FA3ADB07}"/>
-              </a:ext>
-            </a:extLst>
-          </p:cNvPr>
-          <p:cNvPicPr>
-            <a:picLocks noChangeAspect="1"/>
-          </p:cNvPicPr>
-          <p:nvPr/>
-        </p:nvPicPr>
-        <p:blipFill>
-          <a:blip r:embed="rId3"/>
-          <a:stretch>
-            <a:fillRect/>
-          </a:stretch>
-        </p:blipFill>
-        <p:spPr>
-          <a:xfrm>
-            <a:off x="2402484" y="1905025"/>
-            <a:ext cx="7387032" cy="4280401"/>
-          </a:xfrm>
-          <a:prstGeom prst="rect">
-            <a:avLst/>
-          </a:prstGeom>
-        </p:spPr>
-      </p:pic>
-    </p:spTree>
-    <p:extLst>
-      <p:ext uri="{BB962C8B-B14F-4D97-AF65-F5344CB8AC3E}">
-        <p14:creationId xmlns:p14="http://schemas.microsoft.com/office/powerpoint/2010/main" val="523281749"/>
       </p:ext>
     </p:extLst>
   </p:cSld>
@@ -8182,7 +9847,7 @@
           <p:cNvPr id="2" name="Title 1">
             <a:extLst>
               <a:ext uri="{FF2B5EF4-FFF2-40B4-BE49-F238E27FC236}">
-                <a16:creationId xmlns:a16="http://schemas.microsoft.com/office/drawing/2014/main" id="{2B71C295-6D39-41A1-9400-79DE35B31218}"/>
+                <a16:creationId xmlns:a16="http://schemas.microsoft.com/office/drawing/2014/main" id="{D8E20241-AF03-4006-B946-0F6FF436B525}"/>
               </a:ext>
             </a:extLst>
           </p:cNvPr>
@@ -8277,7 +9942,7 @@
           <p:cNvPr id="3" name="Content Placeholder 2">
             <a:extLst>
               <a:ext uri="{FF2B5EF4-FFF2-40B4-BE49-F238E27FC236}">
-                <a16:creationId xmlns:a16="http://schemas.microsoft.com/office/drawing/2014/main" id="{AA408FB7-AAC7-46A3-A97A-274AC039DC4C}"/>
+                <a16:creationId xmlns:a16="http://schemas.microsoft.com/office/drawing/2014/main" id="{AD529ABE-DD03-44E7-A5EA-8598C48D8318}"/>
               </a:ext>
             </a:extLst>
           </p:cNvPr>
@@ -8301,10 +9966,9 @@
           <a:lstStyle/>
           <a:p>
             <a:r>
-              <a:rPr lang="en-US" sz="2400" dirty="0" err="1"/>
-              <a:t>RedfishListener</a:t>
-            </a:r>
-            <a:endParaRPr lang="en-US" sz="2400" dirty="0"/>
+              <a:rPr lang="en-US" sz="2400" dirty="0"/>
+              <a:t>HTTPListener Basics</a:t>
+            </a:r>
           </a:p>
         </p:txBody>
       </p:sp>
@@ -8313,7 +9977,7 @@
           <p:cNvPr id="6" name="Picture 5">
             <a:extLst>
               <a:ext uri="{FF2B5EF4-FFF2-40B4-BE49-F238E27FC236}">
-                <a16:creationId xmlns:a16="http://schemas.microsoft.com/office/drawing/2014/main" id="{ECDF123A-FC22-4AD1-B9B8-DC9FB2240E1B}"/>
+                <a16:creationId xmlns:a16="http://schemas.microsoft.com/office/drawing/2014/main" id="{86608A4D-9E0A-4640-84F8-8B83BEB8D6A7}"/>
               </a:ext>
             </a:extLst>
           </p:cNvPr>
@@ -8366,7 +10030,7 @@
           <p:cNvPr id="7" name="Rectangle 6">
             <a:extLst>
               <a:ext uri="{FF2B5EF4-FFF2-40B4-BE49-F238E27FC236}">
-                <a16:creationId xmlns:a16="http://schemas.microsoft.com/office/drawing/2014/main" id="{0D5E941A-CFB3-441F-A3DC-A051C40B5E9C}"/>
+                <a16:creationId xmlns:a16="http://schemas.microsoft.com/office/drawing/2014/main" id="{DE483543-0769-4E6A-9011-6F6895602C5A}"/>
               </a:ext>
             </a:extLst>
           </p:cNvPr>
@@ -8418,7 +10082,7 @@
           <p:cNvPr id="9" name="Rectangle 8">
             <a:extLst>
               <a:ext uri="{FF2B5EF4-FFF2-40B4-BE49-F238E27FC236}">
-                <a16:creationId xmlns:a16="http://schemas.microsoft.com/office/drawing/2014/main" id="{70AAE73D-2543-4D55-93D4-F6D3F63F3C92}"/>
+                <a16:creationId xmlns:a16="http://schemas.microsoft.com/office/drawing/2014/main" id="{DF0963FF-9D51-4E66-8F8E-B55DE25E48FF}"/>
               </a:ext>
             </a:extLst>
           </p:cNvPr>
@@ -8468,7 +10132,7 @@
     </p:spTree>
     <p:extLst>
       <p:ext uri="{BB962C8B-B14F-4D97-AF65-F5344CB8AC3E}">
-        <p14:creationId xmlns:p14="http://schemas.microsoft.com/office/powerpoint/2010/main" val="822526291"/>
+        <p14:creationId xmlns:p14="http://schemas.microsoft.com/office/powerpoint/2010/main" val="798013061"/>
       </p:ext>
     </p:extLst>
   </p:cSld>
@@ -8495,12 +10159,65 @@
           <a:chExt cx="0" cy="0"/>
         </a:xfrm>
       </p:grpSpPr>
+      <p:pic>
+        <p:nvPicPr>
+          <p:cNvPr id="4" name="Picture 3">
+            <a:extLst>
+              <a:ext uri="{FF2B5EF4-FFF2-40B4-BE49-F238E27FC236}">
+                <a16:creationId xmlns:a16="http://schemas.microsoft.com/office/drawing/2014/main" id="{6B60E60F-1CE6-43FC-A1F2-C7A61D97A232}"/>
+              </a:ext>
+            </a:extLst>
+          </p:cNvPr>
+          <p:cNvPicPr>
+            <a:picLocks noChangeAspect="1"/>
+          </p:cNvPicPr>
+          <p:nvPr/>
+        </p:nvPicPr>
+        <p:blipFill rotWithShape="1">
+          <a:blip r:embed="rId2">
+            <a:clrChange>
+              <a:clrFrom>
+                <a:srgbClr val="FFFFFF"/>
+              </a:clrFrom>
+              <a:clrTo>
+                <a:srgbClr val="FFFFFF">
+                  <a:alpha val="0"/>
+                </a:srgbClr>
+              </a:clrTo>
+            </a:clrChange>
+            <a:duotone>
+              <a:schemeClr val="bg2">
+                <a:shade val="45000"/>
+                <a:satMod val="135000"/>
+              </a:schemeClr>
+              <a:prstClr val="white"/>
+            </a:duotone>
+            <a:alphaModFix amt="51000"/>
+            <a:extLst>
+              <a:ext uri="{28A0092B-C50C-407E-A947-70E740481C1C}">
+                <a14:useLocalDpi xmlns:a14="http://schemas.microsoft.com/office/drawing/2010/main" val="0"/>
+              </a:ext>
+            </a:extLst>
+          </a:blip>
+          <a:srcRect l="-920" t="2990" r="6703"/>
+          <a:stretch/>
+        </p:blipFill>
+        <p:spPr>
+          <a:xfrm>
+            <a:off x="7075257" y="14288"/>
+            <a:ext cx="5088167" cy="5088939"/>
+          </a:xfrm>
+          <a:prstGeom prst="rect">
+            <a:avLst/>
+          </a:prstGeom>
+        </p:spPr>
+      </p:pic>
       <p:sp>
         <p:nvSpPr>
           <p:cNvPr id="2" name="Title 1">
             <a:extLst>
               <a:ext uri="{FF2B5EF4-FFF2-40B4-BE49-F238E27FC236}">
-                <a16:creationId xmlns:a16="http://schemas.microsoft.com/office/drawing/2014/main" id="{351EF11A-F6AF-493B-815F-B22AADF45F75}"/>
+                <a16:creationId xmlns:a16="http://schemas.microsoft.com/office/drawing/2014/main" id="{1E72F59E-5642-4CC8-8CDD-F5D8283CD296}"/>
               </a:ext>
             </a:extLst>
           </p:cNvPr>
@@ -8511,7 +10228,12 @@
             <p:ph type="title"/>
           </p:nvPr>
         </p:nvSpPr>
-        <p:spPr/>
+        <p:spPr>
+          <a:xfrm>
+            <a:off x="838200" y="365125"/>
+            <a:ext cx="10515600" cy="1325563"/>
+          </a:xfrm>
+        </p:spPr>
         <p:txBody>
           <a:bodyPr/>
           <a:lstStyle/>
@@ -8521,17 +10243,17 @@
                 <a:latin typeface="Segoe UI" panose="020B0502040204020203" pitchFamily="34" charset="0"/>
                 <a:cs typeface="Segoe UI" panose="020B0502040204020203" pitchFamily="34" charset="0"/>
               </a:rPr>
-              <a:t>A little more useful …</a:t>
+              <a:t>A bit more complex one …</a:t>
             </a:r>
           </a:p>
         </p:txBody>
       </p:sp>
       <p:pic>
         <p:nvPicPr>
-          <p:cNvPr id="4" name="Picture 3">
+          <p:cNvPr id="7" name="Picture 6">
             <a:extLst>
               <a:ext uri="{FF2B5EF4-FFF2-40B4-BE49-F238E27FC236}">
-                <a16:creationId xmlns:a16="http://schemas.microsoft.com/office/drawing/2014/main" id="{02597A6C-5B5A-49B5-9C6B-57C98676D53A}"/>
+                <a16:creationId xmlns:a16="http://schemas.microsoft.com/office/drawing/2014/main" id="{76376580-1268-4FF1-A112-2A00FA3ADB07}"/>
               </a:ext>
             </a:extLst>
           </p:cNvPr>
@@ -8541,14 +10263,14 @@
           <p:nvPr/>
         </p:nvPicPr>
         <p:blipFill>
-          <a:blip r:embed="rId2"/>
+          <a:blip r:embed="rId3"/>
           <a:stretch>
             <a:fillRect/>
           </a:stretch>
         </p:blipFill>
         <p:spPr>
           <a:xfrm>
-            <a:off x="2402484" y="1690688"/>
+            <a:off x="2402484" y="1905025"/>
             <a:ext cx="7387032" cy="4280401"/>
           </a:xfrm>
           <a:prstGeom prst="rect">
@@ -8559,7 +10281,7 @@
     </p:spTree>
     <p:extLst>
       <p:ext uri="{BB962C8B-B14F-4D97-AF65-F5344CB8AC3E}">
-        <p14:creationId xmlns:p14="http://schemas.microsoft.com/office/powerpoint/2010/main" val="2737997180"/>
+        <p14:creationId xmlns:p14="http://schemas.microsoft.com/office/powerpoint/2010/main" val="523281749"/>
       </p:ext>
     </p:extLst>
   </p:cSld>
